--- a/Kickstarter_Slidedeck.pptx
+++ b/Kickstarter_Slidedeck.pptx
@@ -118,6 +118,11 @@
       </a:defRPr>
     </a:lvl9pPr>
   </p:defaultTextStyle>
+  <p:extLst>
+    <p:ext uri="{EFAFB233-063F-42B5-8137-9DF3F51BA10A}">
+      <p15:sldGuideLst xmlns:p15="http://schemas.microsoft.com/office/powerpoint/2012/main"/>
+    </p:ext>
+  </p:extLst>
 </p:presentation>
 </file>
 
@@ -268,7 +273,7 @@
           <a:p>
             <a:fld id="{D30AD3C6-F60E-3445-B7B2-368C45F4E3E3}" type="datetimeFigureOut">
               <a:rPr lang="en-US" smtClean="0"/>
-              <a:t>3/21/20</a:t>
+              <a:t>5/14/20</a:t>
             </a:fld>
             <a:endParaRPr lang="en-US"/>
           </a:p>
@@ -466,7 +471,7 @@
           <a:p>
             <a:fld id="{D30AD3C6-F60E-3445-B7B2-368C45F4E3E3}" type="datetimeFigureOut">
               <a:rPr lang="en-US" smtClean="0"/>
-              <a:t>3/21/20</a:t>
+              <a:t>5/14/20</a:t>
             </a:fld>
             <a:endParaRPr lang="en-US"/>
           </a:p>
@@ -674,7 +679,7 @@
           <a:p>
             <a:fld id="{D30AD3C6-F60E-3445-B7B2-368C45F4E3E3}" type="datetimeFigureOut">
               <a:rPr lang="en-US" smtClean="0"/>
-              <a:t>3/21/20</a:t>
+              <a:t>5/14/20</a:t>
             </a:fld>
             <a:endParaRPr lang="en-US"/>
           </a:p>
@@ -872,7 +877,7 @@
           <a:p>
             <a:fld id="{D30AD3C6-F60E-3445-B7B2-368C45F4E3E3}" type="datetimeFigureOut">
               <a:rPr lang="en-US" smtClean="0"/>
-              <a:t>3/21/20</a:t>
+              <a:t>5/14/20</a:t>
             </a:fld>
             <a:endParaRPr lang="en-US"/>
           </a:p>
@@ -1147,7 +1152,7 @@
           <a:p>
             <a:fld id="{D30AD3C6-F60E-3445-B7B2-368C45F4E3E3}" type="datetimeFigureOut">
               <a:rPr lang="en-US" smtClean="0"/>
-              <a:t>3/21/20</a:t>
+              <a:t>5/14/20</a:t>
             </a:fld>
             <a:endParaRPr lang="en-US"/>
           </a:p>
@@ -1412,7 +1417,7 @@
           <a:p>
             <a:fld id="{D30AD3C6-F60E-3445-B7B2-368C45F4E3E3}" type="datetimeFigureOut">
               <a:rPr lang="en-US" smtClean="0"/>
-              <a:t>3/21/20</a:t>
+              <a:t>5/14/20</a:t>
             </a:fld>
             <a:endParaRPr lang="en-US"/>
           </a:p>
@@ -1824,7 +1829,7 @@
           <a:p>
             <a:fld id="{D30AD3C6-F60E-3445-B7B2-368C45F4E3E3}" type="datetimeFigureOut">
               <a:rPr lang="en-US" smtClean="0"/>
-              <a:t>3/21/20</a:t>
+              <a:t>5/14/20</a:t>
             </a:fld>
             <a:endParaRPr lang="en-US"/>
           </a:p>
@@ -1965,7 +1970,7 @@
           <a:p>
             <a:fld id="{D30AD3C6-F60E-3445-B7B2-368C45F4E3E3}" type="datetimeFigureOut">
               <a:rPr lang="en-US" smtClean="0"/>
-              <a:t>3/21/20</a:t>
+              <a:t>5/14/20</a:t>
             </a:fld>
             <a:endParaRPr lang="en-US"/>
           </a:p>
@@ -2078,7 +2083,7 @@
           <a:p>
             <a:fld id="{D30AD3C6-F60E-3445-B7B2-368C45F4E3E3}" type="datetimeFigureOut">
               <a:rPr lang="en-US" smtClean="0"/>
-              <a:t>3/21/20</a:t>
+              <a:t>5/14/20</a:t>
             </a:fld>
             <a:endParaRPr lang="en-US"/>
           </a:p>
@@ -2389,7 +2394,7 @@
           <a:p>
             <a:fld id="{D30AD3C6-F60E-3445-B7B2-368C45F4E3E3}" type="datetimeFigureOut">
               <a:rPr lang="en-US" smtClean="0"/>
-              <a:t>3/21/20</a:t>
+              <a:t>5/14/20</a:t>
             </a:fld>
             <a:endParaRPr lang="en-US"/>
           </a:p>
@@ -2677,7 +2682,7 @@
           <a:p>
             <a:fld id="{D30AD3C6-F60E-3445-B7B2-368C45F4E3E3}" type="datetimeFigureOut">
               <a:rPr lang="en-US" smtClean="0"/>
-              <a:t>3/21/20</a:t>
+              <a:t>5/14/20</a:t>
             </a:fld>
             <a:endParaRPr lang="en-US"/>
           </a:p>
@@ -2918,7 +2923,7 @@
           <a:p>
             <a:fld id="{D30AD3C6-F60E-3445-B7B2-368C45F4E3E3}" type="datetimeFigureOut">
               <a:rPr lang="en-US" smtClean="0"/>
-              <a:t>3/21/20</a:t>
+              <a:t>5/14/20</a:t>
             </a:fld>
             <a:endParaRPr lang="en-US"/>
           </a:p>
@@ -3321,6 +3326,14 @@
 <file path=ppt/slides/slide1.xml><?xml version="1.0" encoding="utf-8"?>
 <p:sld xmlns:a="http://schemas.openxmlformats.org/drawingml/2006/main" xmlns:r="http://schemas.openxmlformats.org/officeDocument/2006/relationships" xmlns:p="http://schemas.openxmlformats.org/presentationml/2006/main">
   <p:cSld>
+    <p:bg>
+      <p:bgPr>
+        <a:solidFill>
+          <a:schemeClr val="tx1"/>
+        </a:solidFill>
+        <a:effectLst/>
+      </p:bgPr>
+    </p:bg>
     <p:spTree>
       <p:nvGrpSpPr>
         <p:cNvPr id="1" name=""/>
@@ -3337,6 +3350,140 @@
       </p:grpSpPr>
       <p:sp>
         <p:nvSpPr>
+          <p:cNvPr id="16" name="Rectangle 7">
+            <a:extLst>
+              <a:ext uri="{FF2B5EF4-FFF2-40B4-BE49-F238E27FC236}">
+                <a16:creationId xmlns:a16="http://schemas.microsoft.com/office/drawing/2014/main" id="{2A8AA5BC-4F7A-4226-8F99-6D824B226A97}"/>
+              </a:ext>
+              <a:ext uri="{C183D7F6-B498-43B3-948B-1728B52AA6E4}">
+                <adec:decorative xmlns:adec="http://schemas.microsoft.com/office/drawing/2017/decorative" val="1"/>
+              </a:ext>
+            </a:extLst>
+          </p:cNvPr>
+          <p:cNvSpPr>
+            <a:spLocks noGrp="1" noRot="1" noChangeAspect="1" noMove="1" noResize="1" noEditPoints="1" noAdjustHandles="1" noChangeArrowheads="1" noChangeShapeType="1" noTextEdit="1"/>
+          </p:cNvSpPr>
+          <p:nvPr>
+            <p:extLst>
+              <p:ext uri="{386F3935-93C4-4BCD-93E2-E3B085C9AB24}">
+                <p16:designElem xmlns:p16="http://schemas.microsoft.com/office/powerpoint/2015/main" val="1"/>
+              </p:ext>
+            </p:extLst>
+          </p:nvPr>
+        </p:nvSpPr>
+        <p:spPr>
+          <a:xfrm>
+            <a:off x="0" y="-3324"/>
+            <a:ext cx="12192000" cy="6861324"/>
+          </a:xfrm>
+          <a:prstGeom prst="rect">
+            <a:avLst/>
+          </a:prstGeom>
+          <a:solidFill>
+            <a:schemeClr val="tx1"/>
+          </a:solidFill>
+          <a:ln>
+            <a:noFill/>
+          </a:ln>
+        </p:spPr>
+        <p:style>
+          <a:lnRef idx="2">
+            <a:schemeClr val="accent1">
+              <a:shade val="50000"/>
+            </a:schemeClr>
+          </a:lnRef>
+          <a:fillRef idx="1">
+            <a:schemeClr val="accent1"/>
+          </a:fillRef>
+          <a:effectRef idx="0">
+            <a:schemeClr val="accent1"/>
+          </a:effectRef>
+          <a:fontRef idx="minor">
+            <a:schemeClr val="lt1"/>
+          </a:fontRef>
+        </p:style>
+        <p:txBody>
+          <a:bodyPr rtlCol="0" anchor="ctr"/>
+          <a:lstStyle/>
+          <a:p>
+            <a:pPr algn="ctr"/>
+            <a:endParaRPr lang="en-US"/>
+          </a:p>
+        </p:txBody>
+      </p:sp>
+      <p:sp>
+        <p:nvSpPr>
+          <p:cNvPr id="17" name="Rectangle 9">
+            <a:extLst>
+              <a:ext uri="{FF2B5EF4-FFF2-40B4-BE49-F238E27FC236}">
+                <a16:creationId xmlns:a16="http://schemas.microsoft.com/office/drawing/2014/main" id="{3E5445C6-DD42-4979-86FF-03730E8C6DB0}"/>
+              </a:ext>
+              <a:ext uri="{C183D7F6-B498-43B3-948B-1728B52AA6E4}">
+                <adec:decorative xmlns:adec="http://schemas.microsoft.com/office/drawing/2017/decorative" val="1"/>
+              </a:ext>
+            </a:extLst>
+          </p:cNvPr>
+          <p:cNvSpPr>
+            <a:spLocks noGrp="1" noRot="1" noChangeAspect="1" noMove="1" noResize="1" noEditPoints="1" noAdjustHandles="1" noChangeArrowheads="1" noChangeShapeType="1" noTextEdit="1"/>
+          </p:cNvSpPr>
+          <p:nvPr>
+            <p:extLst>
+              <p:ext uri="{386F3935-93C4-4BCD-93E2-E3B085C9AB24}">
+                <p16:designElem xmlns:p16="http://schemas.microsoft.com/office/powerpoint/2015/main" val="1"/>
+              </p:ext>
+            </p:extLst>
+          </p:nvPr>
+        </p:nvSpPr>
+        <p:spPr bwMode="ltGray">
+          <a:xfrm>
+            <a:off x="321734" y="321733"/>
+            <a:ext cx="11573488" cy="6214534"/>
+          </a:xfrm>
+          <a:prstGeom prst="rect">
+            <a:avLst/>
+          </a:prstGeom>
+          <a:solidFill>
+            <a:schemeClr val="bg1">
+              <a:lumMod val="75000"/>
+              <a:lumOff val="25000"/>
+            </a:schemeClr>
+          </a:solidFill>
+          <a:ln w="127000" cap="sq" cmpd="thinThick">
+            <a:solidFill>
+              <a:schemeClr val="bg1">
+                <a:lumMod val="75000"/>
+                <a:lumOff val="25000"/>
+              </a:schemeClr>
+            </a:solidFill>
+          </a:ln>
+        </p:spPr>
+        <p:style>
+          <a:lnRef idx="2">
+            <a:schemeClr val="accent1">
+              <a:shade val="50000"/>
+            </a:schemeClr>
+          </a:lnRef>
+          <a:fillRef idx="1">
+            <a:schemeClr val="accent1"/>
+          </a:fillRef>
+          <a:effectRef idx="0">
+            <a:schemeClr val="accent1"/>
+          </a:effectRef>
+          <a:fontRef idx="minor">
+            <a:schemeClr val="lt1"/>
+          </a:fontRef>
+        </p:style>
+        <p:txBody>
+          <a:bodyPr rtlCol="0" anchor="ctr"/>
+          <a:lstStyle/>
+          <a:p>
+            <a:pPr algn="ctr"/>
+            <a:endParaRPr lang="en-US"/>
+          </a:p>
+        </p:txBody>
+      </p:sp>
+      <p:sp>
+        <p:nvSpPr>
           <p:cNvPr id="2" name="Title 1">
             <a:extLst>
               <a:ext uri="{FF2B5EF4-FFF2-40B4-BE49-F238E27FC236}">
@@ -3351,7 +3498,12 @@
             <p:ph type="ctrTitle"/>
           </p:nvPr>
         </p:nvSpPr>
-        <p:spPr/>
+        <p:spPr>
+          <a:xfrm>
+            <a:off x="1524000" y="1122362"/>
+            <a:ext cx="9144000" cy="2840037"/>
+          </a:xfrm>
+        </p:spPr>
         <p:txBody>
           <a:bodyPr>
             <a:normAutofit/>
@@ -3359,13 +3511,13 @@
           <a:lstStyle/>
           <a:p>
             <a:r>
-              <a:rPr lang="en-US" dirty="0"/>
+              <a:rPr lang="en-US" sz="5800"/>
               <a:t>Hacking Kickstarter</a:t>
             </a:r>
             <a:br>
-              <a:rPr lang="en-US" dirty="0"/>
+              <a:rPr lang="en-US" sz="5800"/>
             </a:br>
-            <a:endParaRPr lang="en-US" dirty="0"/>
+            <a:endParaRPr lang="en-US" sz="5800"/>
           </a:p>
         </p:txBody>
       </p:sp>
@@ -3385,7 +3537,12 @@
             <p:ph type="subTitle" idx="1"/>
           </p:nvPr>
         </p:nvSpPr>
-        <p:spPr/>
+        <p:spPr>
+          <a:xfrm>
+            <a:off x="1524000" y="4256436"/>
+            <a:ext cx="9144000" cy="1600818"/>
+          </a:xfrm>
+        </p:spPr>
         <p:txBody>
           <a:bodyPr>
             <a:normAutofit/>
@@ -3393,12 +3550,73 @@
           <a:lstStyle/>
           <a:p>
             <a:r>
-              <a:rPr lang="en-US" sz="3600" dirty="0"/>
+              <a:rPr lang="en-US">
+                <a:solidFill>
+                  <a:schemeClr val="accent1">
+                    <a:lumMod val="60000"/>
+                    <a:lumOff val="40000"/>
+                  </a:schemeClr>
+                </a:solidFill>
+              </a:rPr>
               <a:t>Predicting Crowdfunding Project Success</a:t>
             </a:r>
           </a:p>
         </p:txBody>
       </p:sp>
+      <p:cxnSp>
+        <p:nvCxnSpPr>
+          <p:cNvPr id="18" name="Straight Connector 11">
+            <a:extLst>
+              <a:ext uri="{FF2B5EF4-FFF2-40B4-BE49-F238E27FC236}">
+                <a16:creationId xmlns:a16="http://schemas.microsoft.com/office/drawing/2014/main" id="{45000665-DFC7-417E-8FD7-516A0F15C975}"/>
+              </a:ext>
+              <a:ext uri="{C183D7F6-B498-43B3-948B-1728B52AA6E4}">
+                <adec:decorative xmlns:adec="http://schemas.microsoft.com/office/drawing/2017/decorative" val="1"/>
+              </a:ext>
+            </a:extLst>
+          </p:cNvPr>
+          <p:cNvCxnSpPr>
+            <a:cxnSpLocks noGrp="1" noRot="1" noChangeAspect="1" noMove="1" noResize="1" noEditPoints="1" noAdjustHandles="1" noChangeArrowheads="1" noChangeShapeType="1"/>
+          </p:cNvCxnSpPr>
+          <p:nvPr>
+            <p:extLst>
+              <p:ext uri="{386F3935-93C4-4BCD-93E2-E3B085C9AB24}">
+                <p16:designElem xmlns:p16="http://schemas.microsoft.com/office/powerpoint/2015/main" val="1"/>
+              </p:ext>
+            </p:extLst>
+          </p:nvPr>
+        </p:nvCxnSpPr>
+        <p:spPr>
+          <a:xfrm>
+            <a:off x="4724400" y="4109417"/>
+            <a:ext cx="2743200" cy="0"/>
+          </a:xfrm>
+          <a:prstGeom prst="line">
+            <a:avLst/>
+          </a:prstGeom>
+          <a:ln w="12700">
+            <a:solidFill>
+              <a:schemeClr val="tx1">
+                <a:lumMod val="85000"/>
+              </a:schemeClr>
+            </a:solidFill>
+          </a:ln>
+        </p:spPr>
+        <p:style>
+          <a:lnRef idx="1">
+            <a:schemeClr val="accent1"/>
+          </a:lnRef>
+          <a:fillRef idx="0">
+            <a:schemeClr val="accent1"/>
+          </a:fillRef>
+          <a:effectRef idx="0">
+            <a:schemeClr val="accent1"/>
+          </a:effectRef>
+          <a:fontRef idx="minor">
+            <a:schemeClr val="tx1"/>
+          </a:fontRef>
+        </p:style>
+      </p:cxnSp>
     </p:spTree>
     <p:extLst>
       <p:ext uri="{BB962C8B-B14F-4D97-AF65-F5344CB8AC3E}">
@@ -3407,7 +3625,7 @@
     </p:extLst>
   </p:cSld>
   <p:clrMapOvr>
-    <a:masterClrMapping/>
+    <a:overrideClrMapping bg1="dk1" tx1="lt1" bg2="dk2" tx2="lt2" accent1="accent1" accent2="accent2" accent3="accent3" accent4="accent4" accent5="accent5" accent6="accent6" hlink="hlink" folHlink="folHlink"/>
   </p:clrMapOvr>
 </p:sld>
 </file>
@@ -3415,6 +3633,17 @@
 <file path=ppt/slides/slide10.xml><?xml version="1.0" encoding="utf-8"?>
 <p:sld xmlns:a="http://schemas.openxmlformats.org/drawingml/2006/main" xmlns:r="http://schemas.openxmlformats.org/officeDocument/2006/relationships" xmlns:p="http://schemas.openxmlformats.org/presentationml/2006/main">
   <p:cSld>
+    <p:bg>
+      <p:bgPr>
+        <a:solidFill>
+          <a:schemeClr val="bg1">
+            <a:tint val="95000"/>
+            <a:satMod val="170000"/>
+          </a:schemeClr>
+        </a:solidFill>
+        <a:effectLst/>
+      </p:bgPr>
+    </p:bg>
     <p:spTree>
       <p:nvGrpSpPr>
         <p:cNvPr id="1" name=""/>
@@ -3445,9 +3674,16 @@
             <p:ph type="title"/>
           </p:nvPr>
         </p:nvSpPr>
-        <p:spPr/>
-        <p:txBody>
-          <a:bodyPr/>
+        <p:spPr>
+          <a:xfrm>
+            <a:off x="762001" y="803325"/>
+            <a:ext cx="5314536" cy="1325563"/>
+          </a:xfrm>
+        </p:spPr>
+        <p:txBody>
+          <a:bodyPr>
+            <a:normAutofit/>
+          </a:bodyPr>
           <a:lstStyle/>
           <a:p>
             <a:r>
@@ -3475,39 +3711,412 @@
         </p:nvSpPr>
         <p:spPr>
           <a:xfrm>
-            <a:off x="838200" y="2586037"/>
-            <a:ext cx="10515600" cy="3590925"/>
+            <a:off x="762000" y="2279018"/>
+            <a:ext cx="5314543" cy="3375920"/>
           </a:xfrm>
         </p:spPr>
         <p:txBody>
-          <a:bodyPr/>
-          <a:lstStyle/>
-          <a:p>
-            <a:r>
-              <a:rPr lang="en-US" dirty="0"/>
+          <a:bodyPr anchor="t">
+            <a:normAutofit/>
+          </a:bodyPr>
+          <a:lstStyle/>
+          <a:p>
+            <a:r>
+              <a:rPr lang="en-US" sz="1800"/>
               <a:t>T-tests</a:t>
             </a:r>
           </a:p>
           <a:p>
             <a:r>
-              <a:rPr lang="en-US" dirty="0"/>
+              <a:rPr lang="en-US" sz="1800"/>
               <a:t>Difference in means and standard deviations</a:t>
             </a:r>
           </a:p>
           <a:p>
             <a:r>
-              <a:rPr lang="en-US" dirty="0"/>
+              <a:rPr lang="en-US" sz="1800"/>
               <a:t>Permutation tests</a:t>
             </a:r>
           </a:p>
           <a:p>
             <a:r>
-              <a:rPr lang="en-US" dirty="0"/>
+              <a:rPr lang="en-US" sz="1800"/>
               <a:t>Chi-squared tests</a:t>
             </a:r>
           </a:p>
         </p:txBody>
       </p:sp>
+      <p:sp>
+        <p:nvSpPr>
+          <p:cNvPr id="10" name="Freeform: Shape 9">
+            <a:extLst>
+              <a:ext uri="{FF2B5EF4-FFF2-40B4-BE49-F238E27FC236}">
+                <a16:creationId xmlns:a16="http://schemas.microsoft.com/office/drawing/2014/main" id="{CF62D2A7-8207-488C-9F46-316BA81A16C8}"/>
+              </a:ext>
+              <a:ext uri="{C183D7F6-B498-43B3-948B-1728B52AA6E4}">
+                <adec:decorative xmlns:adec="http://schemas.microsoft.com/office/drawing/2017/decorative" val="1"/>
+              </a:ext>
+            </a:extLst>
+          </p:cNvPr>
+          <p:cNvSpPr>
+            <a:spLocks noGrp="1" noRot="1" noChangeAspect="1" noMove="1" noResize="1" noEditPoints="1" noAdjustHandles="1" noChangeArrowheads="1" noChangeShapeType="1" noTextEdit="1"/>
+          </p:cNvSpPr>
+          <p:nvPr>
+            <p:extLst>
+              <p:ext uri="{386F3935-93C4-4BCD-93E2-E3B085C9AB24}">
+                <p16:designElem xmlns:p16="http://schemas.microsoft.com/office/powerpoint/2015/main" val="1"/>
+              </p:ext>
+            </p:extLst>
+          </p:nvPr>
+        </p:nvSpPr>
+        <p:spPr>
+          <a:xfrm flipH="1">
+            <a:off x="6582780" y="-2008"/>
+            <a:ext cx="5609220" cy="5840278"/>
+          </a:xfrm>
+          <a:custGeom>
+            <a:avLst/>
+            <a:gdLst>
+              <a:gd name="connsiteX0" fmla="*/ 0 w 5609220"/>
+              <a:gd name="connsiteY0" fmla="*/ 0 h 5840278"/>
+              <a:gd name="connsiteX1" fmla="*/ 4637091 w 5609220"/>
+              <a:gd name="connsiteY1" fmla="*/ 0 h 5840278"/>
+              <a:gd name="connsiteX2" fmla="*/ 4822569 w 5609220"/>
+              <a:gd name="connsiteY2" fmla="*/ 204077 h 5840278"/>
+              <a:gd name="connsiteX3" fmla="*/ 5609220 w 5609220"/>
+              <a:gd name="connsiteY3" fmla="*/ 2395363 h 5840278"/>
+              <a:gd name="connsiteX4" fmla="*/ 2164305 w 5609220"/>
+              <a:gd name="connsiteY4" fmla="*/ 5840278 h 5840278"/>
+              <a:gd name="connsiteX5" fmla="*/ 238220 w 5609220"/>
+              <a:gd name="connsiteY5" fmla="*/ 5251941 h 5840278"/>
+              <a:gd name="connsiteX6" fmla="*/ 0 w 5609220"/>
+              <a:gd name="connsiteY6" fmla="*/ 5073803 h 5840278"/>
+            </a:gdLst>
+            <a:ahLst/>
+            <a:cxnLst>
+              <a:cxn ang="0">
+                <a:pos x="connsiteX0" y="connsiteY0"/>
+              </a:cxn>
+              <a:cxn ang="0">
+                <a:pos x="connsiteX1" y="connsiteY1"/>
+              </a:cxn>
+              <a:cxn ang="0">
+                <a:pos x="connsiteX2" y="connsiteY2"/>
+              </a:cxn>
+              <a:cxn ang="0">
+                <a:pos x="connsiteX3" y="connsiteY3"/>
+              </a:cxn>
+              <a:cxn ang="0">
+                <a:pos x="connsiteX4" y="connsiteY4"/>
+              </a:cxn>
+              <a:cxn ang="0">
+                <a:pos x="connsiteX5" y="connsiteY5"/>
+              </a:cxn>
+              <a:cxn ang="0">
+                <a:pos x="connsiteX6" y="connsiteY6"/>
+              </a:cxn>
+            </a:cxnLst>
+            <a:rect l="l" t="t" r="r" b="b"/>
+            <a:pathLst>
+              <a:path w="5609220" h="5840278">
+                <a:moveTo>
+                  <a:pt x="0" y="0"/>
+                </a:moveTo>
+                <a:lnTo>
+                  <a:pt x="4637091" y="0"/>
+                </a:lnTo>
+                <a:lnTo>
+                  <a:pt x="4822569" y="204077"/>
+                </a:lnTo>
+                <a:cubicBezTo>
+                  <a:pt x="5314007" y="799562"/>
+                  <a:pt x="5609220" y="1562987"/>
+                  <a:pt x="5609220" y="2395363"/>
+                </a:cubicBezTo>
+                <a:cubicBezTo>
+                  <a:pt x="5609220" y="4297937"/>
+                  <a:pt x="4066879" y="5840278"/>
+                  <a:pt x="2164305" y="5840278"/>
+                </a:cubicBezTo>
+                <a:cubicBezTo>
+                  <a:pt x="1450840" y="5840278"/>
+                  <a:pt x="788032" y="5623387"/>
+                  <a:pt x="238220" y="5251941"/>
+                </a:cubicBezTo>
+                <a:lnTo>
+                  <a:pt x="0" y="5073803"/>
+                </a:lnTo>
+                <a:close/>
+              </a:path>
+            </a:pathLst>
+          </a:custGeom>
+          <a:solidFill>
+            <a:srgbClr val="FFFFFF">
+              <a:alpha val="80000"/>
+            </a:srgbClr>
+          </a:solidFill>
+          <a:ln>
+            <a:noFill/>
+          </a:ln>
+        </p:spPr>
+        <p:style>
+          <a:lnRef idx="2">
+            <a:schemeClr val="accent1">
+              <a:shade val="50000"/>
+            </a:schemeClr>
+          </a:lnRef>
+          <a:fillRef idx="1">
+            <a:schemeClr val="accent1"/>
+          </a:fillRef>
+          <a:effectRef idx="0">
+            <a:schemeClr val="accent1"/>
+          </a:effectRef>
+          <a:fontRef idx="minor">
+            <a:schemeClr val="lt1"/>
+          </a:fontRef>
+        </p:style>
+        <p:txBody>
+          <a:bodyPr rtlCol="0" anchor="ctr"/>
+          <a:lstStyle/>
+          <a:p>
+            <a:pPr marL="0" marR="0" lvl="0" indent="0" algn="ctr" defTabSz="914400" rtl="0" eaLnBrk="1" fontAlgn="auto" latinLnBrk="0" hangingPunct="1">
+              <a:lnSpc>
+                <a:spcPct val="100000"/>
+              </a:lnSpc>
+              <a:spcBef>
+                <a:spcPts val="0"/>
+              </a:spcBef>
+              <a:spcAft>
+                <a:spcPts val="0"/>
+              </a:spcAft>
+              <a:buClrTx/>
+              <a:buSzTx/>
+              <a:buFontTx/>
+              <a:buNone/>
+              <a:tabLst/>
+              <a:defRPr/>
+            </a:pPr>
+            <a:endParaRPr kumimoji="0" lang="en-US" sz="1800" b="0" i="0" u="none" strike="noStrike" kern="1200" cap="none" spc="0" normalizeH="0" baseline="0" noProof="0">
+              <a:ln>
+                <a:noFill/>
+              </a:ln>
+              <a:solidFill>
+                <a:prstClr val="white"/>
+              </a:solidFill>
+              <a:effectLst/>
+              <a:uLnTx/>
+              <a:uFillTx/>
+              <a:latin typeface="Calibri" panose="020F0502020204030204"/>
+              <a:ea typeface="+mn-ea"/>
+              <a:cs typeface="+mn-cs"/>
+            </a:endParaRPr>
+          </a:p>
+        </p:txBody>
+      </p:sp>
+      <p:sp>
+        <p:nvSpPr>
+          <p:cNvPr id="12" name="Freeform: Shape 11">
+            <a:extLst>
+              <a:ext uri="{FF2B5EF4-FFF2-40B4-BE49-F238E27FC236}">
+                <a16:creationId xmlns:a16="http://schemas.microsoft.com/office/drawing/2014/main" id="{52AC6D7F-F068-4E11-BB06-F601D89BB980}"/>
+              </a:ext>
+              <a:ext uri="{C183D7F6-B498-43B3-948B-1728B52AA6E4}">
+                <adec:decorative xmlns:adec="http://schemas.microsoft.com/office/drawing/2017/decorative" val="1"/>
+              </a:ext>
+            </a:extLst>
+          </p:cNvPr>
+          <p:cNvSpPr>
+            <a:spLocks noGrp="1" noRot="1" noChangeAspect="1" noMove="1" noResize="1" noEditPoints="1" noAdjustHandles="1" noChangeArrowheads="1" noChangeShapeType="1" noTextEdit="1"/>
+          </p:cNvSpPr>
+          <p:nvPr>
+            <p:extLst>
+              <p:ext uri="{386F3935-93C4-4BCD-93E2-E3B085C9AB24}">
+                <p16:designElem xmlns:p16="http://schemas.microsoft.com/office/powerpoint/2015/main" val="1"/>
+              </p:ext>
+            </p:extLst>
+          </p:nvPr>
+        </p:nvSpPr>
+        <p:spPr>
+          <a:xfrm>
+            <a:off x="6750141" y="-2"/>
+            <a:ext cx="5441859" cy="5654940"/>
+          </a:xfrm>
+          <a:custGeom>
+            <a:avLst/>
+            <a:gdLst>
+              <a:gd name="connsiteX0" fmla="*/ 1041368 w 5441859"/>
+              <a:gd name="connsiteY0" fmla="*/ 0 h 5654940"/>
+              <a:gd name="connsiteX1" fmla="*/ 5441859 w 5441859"/>
+              <a:gd name="connsiteY1" fmla="*/ 0 h 5654940"/>
+              <a:gd name="connsiteX2" fmla="*/ 5441859 w 5441859"/>
+              <a:gd name="connsiteY2" fmla="*/ 4820612 h 5654940"/>
+              <a:gd name="connsiteX3" fmla="*/ 5285166 w 5441859"/>
+              <a:gd name="connsiteY3" fmla="*/ 4957981 h 5654940"/>
+              <a:gd name="connsiteX4" fmla="*/ 3267719 w 5441859"/>
+              <a:gd name="connsiteY4" fmla="*/ 5654940 h 5654940"/>
+              <a:gd name="connsiteX5" fmla="*/ 0 w 5441859"/>
+              <a:gd name="connsiteY5" fmla="*/ 2387221 h 5654940"/>
+              <a:gd name="connsiteX6" fmla="*/ 957093 w 5441859"/>
+              <a:gd name="connsiteY6" fmla="*/ 76595 h 5654940"/>
+            </a:gdLst>
+            <a:ahLst/>
+            <a:cxnLst>
+              <a:cxn ang="0">
+                <a:pos x="connsiteX0" y="connsiteY0"/>
+              </a:cxn>
+              <a:cxn ang="0">
+                <a:pos x="connsiteX1" y="connsiteY1"/>
+              </a:cxn>
+              <a:cxn ang="0">
+                <a:pos x="connsiteX2" y="connsiteY2"/>
+              </a:cxn>
+              <a:cxn ang="0">
+                <a:pos x="connsiteX3" y="connsiteY3"/>
+              </a:cxn>
+              <a:cxn ang="0">
+                <a:pos x="connsiteX4" y="connsiteY4"/>
+              </a:cxn>
+              <a:cxn ang="0">
+                <a:pos x="connsiteX5" y="connsiteY5"/>
+              </a:cxn>
+              <a:cxn ang="0">
+                <a:pos x="connsiteX6" y="connsiteY6"/>
+              </a:cxn>
+            </a:cxnLst>
+            <a:rect l="l" t="t" r="r" b="b"/>
+            <a:pathLst>
+              <a:path w="5441859" h="5654940">
+                <a:moveTo>
+                  <a:pt x="1041368" y="0"/>
+                </a:moveTo>
+                <a:lnTo>
+                  <a:pt x="5441859" y="0"/>
+                </a:lnTo>
+                <a:lnTo>
+                  <a:pt x="5441859" y="4820612"/>
+                </a:lnTo>
+                <a:lnTo>
+                  <a:pt x="5285166" y="4957981"/>
+                </a:lnTo>
+                <a:cubicBezTo>
+                  <a:pt x="4729628" y="5394557"/>
+                  <a:pt x="4029081" y="5654940"/>
+                  <a:pt x="3267719" y="5654940"/>
+                </a:cubicBezTo>
+                <a:cubicBezTo>
+                  <a:pt x="1463008" y="5654940"/>
+                  <a:pt x="0" y="4191932"/>
+                  <a:pt x="0" y="2387221"/>
+                </a:cubicBezTo>
+                <a:cubicBezTo>
+                  <a:pt x="0" y="1484866"/>
+                  <a:pt x="365752" y="667936"/>
+                  <a:pt x="957093" y="76595"/>
+                </a:cubicBezTo>
+                <a:close/>
+              </a:path>
+            </a:pathLst>
+          </a:custGeom>
+          <a:solidFill>
+            <a:schemeClr val="tx1"/>
+          </a:solidFill>
+          <a:ln>
+            <a:noFill/>
+          </a:ln>
+        </p:spPr>
+        <p:style>
+          <a:lnRef idx="2">
+            <a:schemeClr val="accent1">
+              <a:shade val="50000"/>
+            </a:schemeClr>
+          </a:lnRef>
+          <a:fillRef idx="1">
+            <a:schemeClr val="accent1"/>
+          </a:fillRef>
+          <a:effectRef idx="0">
+            <a:schemeClr val="accent1"/>
+          </a:effectRef>
+          <a:fontRef idx="minor">
+            <a:schemeClr val="lt1"/>
+          </a:fontRef>
+        </p:style>
+        <p:txBody>
+          <a:bodyPr rtlCol="0" anchor="ctr"/>
+          <a:lstStyle/>
+          <a:p>
+            <a:pPr marL="0" marR="0" lvl="0" indent="0" algn="ctr" defTabSz="914400" rtl="0" eaLnBrk="1" fontAlgn="auto" latinLnBrk="0" hangingPunct="1">
+              <a:lnSpc>
+                <a:spcPct val="100000"/>
+              </a:lnSpc>
+              <a:spcBef>
+                <a:spcPts val="0"/>
+              </a:spcBef>
+              <a:spcAft>
+                <a:spcPts val="0"/>
+              </a:spcAft>
+              <a:buClrTx/>
+              <a:buSzTx/>
+              <a:buFontTx/>
+              <a:buNone/>
+              <a:tabLst/>
+              <a:defRPr/>
+            </a:pPr>
+            <a:endParaRPr kumimoji="0" lang="en-US" sz="1800" b="0" i="0" u="none" strike="noStrike" kern="1200" cap="none" spc="0" normalizeH="0" baseline="0" noProof="0">
+              <a:ln>
+                <a:noFill/>
+              </a:ln>
+              <a:solidFill>
+                <a:prstClr val="white"/>
+              </a:solidFill>
+              <a:effectLst/>
+              <a:uLnTx/>
+              <a:uFillTx/>
+              <a:latin typeface="Calibri" panose="020F0502020204030204"/>
+              <a:ea typeface="+mn-ea"/>
+              <a:cs typeface="+mn-cs"/>
+            </a:endParaRPr>
+          </a:p>
+        </p:txBody>
+      </p:sp>
+      <p:pic>
+        <p:nvPicPr>
+          <p:cNvPr id="7" name="Graphic 6" descr="Bar chart">
+            <a:extLst>
+              <a:ext uri="{FF2B5EF4-FFF2-40B4-BE49-F238E27FC236}">
+                <a16:creationId xmlns:a16="http://schemas.microsoft.com/office/drawing/2014/main" id="{C1CFEE7C-4EDB-4A19-A5D8-1363DAC6F64C}"/>
+              </a:ext>
+            </a:extLst>
+          </p:cNvPr>
+          <p:cNvPicPr>
+            <a:picLocks noChangeAspect="1"/>
+          </p:cNvPicPr>
+          <p:nvPr/>
+        </p:nvPicPr>
+        <p:blipFill>
+          <a:blip r:embed="rId2">
+            <a:extLst>
+              <a:ext uri="{28A0092B-C50C-407E-A947-70E740481C1C}">
+                <a14:useLocalDpi xmlns:a14="http://schemas.microsoft.com/office/drawing/2010/main" val="0"/>
+              </a:ext>
+              <a:ext uri="{96DAC541-7B7A-43D3-8B79-37D633B846F1}">
+                <asvg:svgBlip xmlns:asvg="http://schemas.microsoft.com/office/drawing/2016/SVG/main" r:embed="rId3"/>
+              </a:ext>
+            </a:extLst>
+          </a:blip>
+          <a:stretch>
+            <a:fillRect/>
+          </a:stretch>
+        </p:blipFill>
+        <p:spPr>
+          <a:xfrm>
+            <a:off x="7884057" y="643002"/>
+            <a:ext cx="3796790" cy="3796790"/>
+          </a:xfrm>
+          <a:prstGeom prst="rect">
+            <a:avLst/>
+          </a:prstGeom>
+        </p:spPr>
+      </p:pic>
     </p:spTree>
     <p:extLst>
       <p:ext uri="{BB962C8B-B14F-4D97-AF65-F5344CB8AC3E}">
@@ -3516,7 +4125,7 @@
     </p:extLst>
   </p:cSld>
   <p:clrMapOvr>
-    <a:masterClrMapping/>
+    <a:overrideClrMapping bg1="dk1" tx1="lt1" bg2="dk2" tx2="lt2" accent1="accent1" accent2="accent2" accent3="accent3" accent4="accent4" accent5="accent5" accent6="accent6" hlink="hlink" folHlink="folHlink"/>
   </p:clrMapOvr>
 </p:sld>
 </file>
@@ -3524,6 +4133,17 @@
 <file path=ppt/slides/slide11.xml><?xml version="1.0" encoding="utf-8"?>
 <p:sld xmlns:a="http://schemas.openxmlformats.org/drawingml/2006/main" xmlns:r="http://schemas.openxmlformats.org/officeDocument/2006/relationships" xmlns:p="http://schemas.openxmlformats.org/presentationml/2006/main">
   <p:cSld>
+    <p:bg>
+      <p:bgPr>
+        <a:solidFill>
+          <a:schemeClr val="bg1">
+            <a:tint val="95000"/>
+            <a:satMod val="170000"/>
+          </a:schemeClr>
+        </a:solidFill>
+        <a:effectLst/>
+      </p:bgPr>
+    </p:bg>
     <p:spTree>
       <p:nvGrpSpPr>
         <p:cNvPr id="1" name=""/>
@@ -3554,13 +4174,20 @@
             <p:ph type="title"/>
           </p:nvPr>
         </p:nvSpPr>
-        <p:spPr/>
-        <p:txBody>
-          <a:bodyPr/>
-          <a:lstStyle/>
-          <a:p>
-            <a:r>
-              <a:rPr lang="en-US" dirty="0"/>
+        <p:spPr>
+          <a:xfrm>
+            <a:off x="804673" y="1445494"/>
+            <a:ext cx="3616856" cy="4376572"/>
+          </a:xfrm>
+        </p:spPr>
+        <p:txBody>
+          <a:bodyPr anchor="ctr">
+            <a:normAutofit/>
+          </a:bodyPr>
+          <a:lstStyle/>
+          <a:p>
+            <a:r>
+              <a:rPr lang="en-US" sz="4800"/>
               <a:t>Permutation tests for numerical data</a:t>
             </a:r>
           </a:p>
@@ -3568,6 +4195,258 @@
       </p:sp>
       <p:sp>
         <p:nvSpPr>
+          <p:cNvPr id="8" name="Freeform: Shape 7">
+            <a:extLst>
+              <a:ext uri="{FF2B5EF4-FFF2-40B4-BE49-F238E27FC236}">
+                <a16:creationId xmlns:a16="http://schemas.microsoft.com/office/drawing/2014/main" id="{DFF2AC85-FAA0-4844-813F-83C04D7382E2}"/>
+              </a:ext>
+              <a:ext uri="{C183D7F6-B498-43B3-948B-1728B52AA6E4}">
+                <adec:decorative xmlns:adec="http://schemas.microsoft.com/office/drawing/2017/decorative" val="1"/>
+              </a:ext>
+            </a:extLst>
+          </p:cNvPr>
+          <p:cNvSpPr>
+            <a:spLocks noGrp="1" noRot="1" noChangeAspect="1" noMove="1" noResize="1" noEditPoints="1" noAdjustHandles="1" noChangeArrowheads="1" noChangeShapeType="1" noTextEdit="1"/>
+          </p:cNvSpPr>
+          <p:nvPr>
+            <p:extLst>
+              <p:ext uri="{386F3935-93C4-4BCD-93E2-E3B085C9AB24}">
+                <p16:designElem xmlns:p16="http://schemas.microsoft.com/office/powerpoint/2015/main" val="1"/>
+              </p:ext>
+            </p:extLst>
+          </p:nvPr>
+        </p:nvSpPr>
+        <p:spPr>
+          <a:xfrm>
+            <a:off x="4907636" y="0"/>
+            <a:ext cx="7281316" cy="6858000"/>
+          </a:xfrm>
+          <a:custGeom>
+            <a:avLst/>
+            <a:gdLst>
+              <a:gd name="connsiteX0" fmla="*/ 361354 w 7281316"/>
+              <a:gd name="connsiteY0" fmla="*/ 0 h 6858000"/>
+              <a:gd name="connsiteX1" fmla="*/ 7281316 w 7281316"/>
+              <a:gd name="connsiteY1" fmla="*/ 0 h 6858000"/>
+              <a:gd name="connsiteX2" fmla="*/ 7281316 w 7281316"/>
+              <a:gd name="connsiteY2" fmla="*/ 6858000 h 6858000"/>
+              <a:gd name="connsiteX3" fmla="*/ 696735 w 7281316"/>
+              <a:gd name="connsiteY3" fmla="*/ 6858000 h 6858000"/>
+              <a:gd name="connsiteX4" fmla="*/ 690849 w 7281316"/>
+              <a:gd name="connsiteY4" fmla="*/ 6842426 h 6858000"/>
+              <a:gd name="connsiteX5" fmla="*/ 335637 w 7281316"/>
+              <a:gd name="connsiteY5" fmla="*/ 94722 h 6858000"/>
+            </a:gdLst>
+            <a:ahLst/>
+            <a:cxnLst>
+              <a:cxn ang="0">
+                <a:pos x="connsiteX0" y="connsiteY0"/>
+              </a:cxn>
+              <a:cxn ang="0">
+                <a:pos x="connsiteX1" y="connsiteY1"/>
+              </a:cxn>
+              <a:cxn ang="0">
+                <a:pos x="connsiteX2" y="connsiteY2"/>
+              </a:cxn>
+              <a:cxn ang="0">
+                <a:pos x="connsiteX3" y="connsiteY3"/>
+              </a:cxn>
+              <a:cxn ang="0">
+                <a:pos x="connsiteX4" y="connsiteY4"/>
+              </a:cxn>
+              <a:cxn ang="0">
+                <a:pos x="connsiteX5" y="connsiteY5"/>
+              </a:cxn>
+            </a:cxnLst>
+            <a:rect l="l" t="t" r="r" b="b"/>
+            <a:pathLst>
+              <a:path w="7281316" h="6858000">
+                <a:moveTo>
+                  <a:pt x="361354" y="0"/>
+                </a:moveTo>
+                <a:lnTo>
+                  <a:pt x="7281316" y="0"/>
+                </a:lnTo>
+                <a:lnTo>
+                  <a:pt x="7281316" y="6858000"/>
+                </a:lnTo>
+                <a:lnTo>
+                  <a:pt x="696735" y="6858000"/>
+                </a:lnTo>
+                <a:lnTo>
+                  <a:pt x="690849" y="6842426"/>
+                </a:lnTo>
+                <a:cubicBezTo>
+                  <a:pt x="-65870" y="4704140"/>
+                  <a:pt x="-226206" y="2374054"/>
+                  <a:pt x="335637" y="94722"/>
+                </a:cubicBezTo>
+                <a:close/>
+              </a:path>
+            </a:pathLst>
+          </a:custGeom>
+          <a:solidFill>
+            <a:schemeClr val="tx1">
+              <a:alpha val="80000"/>
+            </a:schemeClr>
+          </a:solidFill>
+          <a:ln>
+            <a:noFill/>
+          </a:ln>
+        </p:spPr>
+        <p:style>
+          <a:lnRef idx="2">
+            <a:schemeClr val="accent1">
+              <a:shade val="50000"/>
+            </a:schemeClr>
+          </a:lnRef>
+          <a:fillRef idx="1">
+            <a:schemeClr val="accent1"/>
+          </a:fillRef>
+          <a:effectRef idx="0">
+            <a:schemeClr val="accent1"/>
+          </a:effectRef>
+          <a:fontRef idx="minor">
+            <a:schemeClr val="lt1"/>
+          </a:fontRef>
+        </p:style>
+        <p:txBody>
+          <a:bodyPr rtlCol="0" anchor="ctr"/>
+          <a:lstStyle/>
+          <a:p>
+            <a:pPr algn="ctr"/>
+            <a:endParaRPr lang="en-US"/>
+          </a:p>
+        </p:txBody>
+      </p:sp>
+      <p:sp>
+        <p:nvSpPr>
+          <p:cNvPr id="10" name="Freeform: Shape 9">
+            <a:extLst>
+              <a:ext uri="{FF2B5EF4-FFF2-40B4-BE49-F238E27FC236}">
+                <a16:creationId xmlns:a16="http://schemas.microsoft.com/office/drawing/2014/main" id="{89CC0F1E-BAA2-47B1-8F83-7ECB9FD9E009}"/>
+              </a:ext>
+              <a:ext uri="{C183D7F6-B498-43B3-948B-1728B52AA6E4}">
+                <adec:decorative xmlns:adec="http://schemas.microsoft.com/office/drawing/2017/decorative" val="1"/>
+              </a:ext>
+            </a:extLst>
+          </p:cNvPr>
+          <p:cNvSpPr>
+            <a:spLocks noGrp="1" noRot="1" noChangeAspect="1" noMove="1" noResize="1" noEditPoints="1" noAdjustHandles="1" noChangeArrowheads="1" noChangeShapeType="1" noTextEdit="1"/>
+          </p:cNvSpPr>
+          <p:nvPr>
+            <p:extLst>
+              <p:ext uri="{386F3935-93C4-4BCD-93E2-E3B085C9AB24}">
+                <p16:designElem xmlns:p16="http://schemas.microsoft.com/office/powerpoint/2015/main" val="1"/>
+              </p:ext>
+            </p:extLst>
+          </p:nvPr>
+        </p:nvSpPr>
+        <p:spPr>
+          <a:xfrm>
+            <a:off x="5189558" y="0"/>
+            <a:ext cx="6999394" cy="6858000"/>
+          </a:xfrm>
+          <a:custGeom>
+            <a:avLst/>
+            <a:gdLst>
+              <a:gd name="connsiteX0" fmla="*/ 6999394 w 6999394"/>
+              <a:gd name="connsiteY0" fmla="*/ 0 h 6858000"/>
+              <a:gd name="connsiteX1" fmla="*/ 6999394 w 6999394"/>
+              <a:gd name="connsiteY1" fmla="*/ 6858000 h 6858000"/>
+              <a:gd name="connsiteX2" fmla="*/ 717029 w 6999394"/>
+              <a:gd name="connsiteY2" fmla="*/ 6858000 h 6858000"/>
+              <a:gd name="connsiteX3" fmla="*/ 623642 w 6999394"/>
+              <a:gd name="connsiteY3" fmla="*/ 6599363 h 6858000"/>
+              <a:gd name="connsiteX4" fmla="*/ 319533 w 6999394"/>
+              <a:gd name="connsiteY4" fmla="*/ 193787 h 6858000"/>
+              <a:gd name="connsiteX5" fmla="*/ 371685 w 6999394"/>
+              <a:gd name="connsiteY5" fmla="*/ 1 h 6858000"/>
+            </a:gdLst>
+            <a:ahLst/>
+            <a:cxnLst>
+              <a:cxn ang="0">
+                <a:pos x="connsiteX0" y="connsiteY0"/>
+              </a:cxn>
+              <a:cxn ang="0">
+                <a:pos x="connsiteX1" y="connsiteY1"/>
+              </a:cxn>
+              <a:cxn ang="0">
+                <a:pos x="connsiteX2" y="connsiteY2"/>
+              </a:cxn>
+              <a:cxn ang="0">
+                <a:pos x="connsiteX3" y="connsiteY3"/>
+              </a:cxn>
+              <a:cxn ang="0">
+                <a:pos x="connsiteX4" y="connsiteY4"/>
+              </a:cxn>
+              <a:cxn ang="0">
+                <a:pos x="connsiteX5" y="connsiteY5"/>
+              </a:cxn>
+            </a:cxnLst>
+            <a:rect l="l" t="t" r="r" b="b"/>
+            <a:pathLst>
+              <a:path w="6999394" h="6858000">
+                <a:moveTo>
+                  <a:pt x="6999394" y="0"/>
+                </a:moveTo>
+                <a:lnTo>
+                  <a:pt x="6999394" y="6858000"/>
+                </a:lnTo>
+                <a:lnTo>
+                  <a:pt x="717029" y="6858000"/>
+                </a:lnTo>
+                <a:lnTo>
+                  <a:pt x="623642" y="6599363"/>
+                </a:lnTo>
+                <a:cubicBezTo>
+                  <a:pt x="-67685" y="4563346"/>
+                  <a:pt x="-206622" y="2355719"/>
+                  <a:pt x="319533" y="193787"/>
+                </a:cubicBezTo>
+                <a:lnTo>
+                  <a:pt x="371685" y="1"/>
+                </a:lnTo>
+                <a:close/>
+              </a:path>
+            </a:pathLst>
+          </a:custGeom>
+          <a:solidFill>
+            <a:schemeClr val="tx1">
+              <a:alpha val="80000"/>
+            </a:schemeClr>
+          </a:solidFill>
+          <a:ln>
+            <a:noFill/>
+          </a:ln>
+        </p:spPr>
+        <p:style>
+          <a:lnRef idx="2">
+            <a:schemeClr val="accent1">
+              <a:shade val="50000"/>
+            </a:schemeClr>
+          </a:lnRef>
+          <a:fillRef idx="1">
+            <a:schemeClr val="accent1"/>
+          </a:fillRef>
+          <a:effectRef idx="0">
+            <a:schemeClr val="accent1"/>
+          </a:effectRef>
+          <a:fontRef idx="minor">
+            <a:schemeClr val="lt1"/>
+          </a:fontRef>
+        </p:style>
+        <p:txBody>
+          <a:bodyPr rtlCol="0" anchor="ctr"/>
+          <a:lstStyle/>
+          <a:p>
+            <a:pPr algn="ctr"/>
+            <a:endParaRPr lang="en-US"/>
+          </a:p>
+        </p:txBody>
+      </p:sp>
+      <p:sp>
+        <p:nvSpPr>
           <p:cNvPr id="3" name="Content Placeholder 2">
             <a:extLst>
               <a:ext uri="{FF2B5EF4-FFF2-40B4-BE49-F238E27FC236}">
@@ -3582,31 +4461,54 @@
             <p:ph idx="1"/>
           </p:nvPr>
         </p:nvSpPr>
-        <p:spPr/>
-        <p:txBody>
-          <a:bodyPr/>
-          <a:lstStyle/>
-          <a:p>
-            <a:r>
-              <a:rPr lang="en-US" dirty="0"/>
+        <p:spPr>
+          <a:xfrm>
+            <a:off x="6096000" y="1399032"/>
+            <a:ext cx="5501834" cy="4471416"/>
+          </a:xfrm>
+        </p:spPr>
+        <p:txBody>
+          <a:bodyPr anchor="ctr">
+            <a:normAutofit/>
+          </a:bodyPr>
+          <a:lstStyle/>
+          <a:p>
+            <a:r>
+              <a:rPr lang="en-US" sz="2200">
+                <a:solidFill>
+                  <a:schemeClr val="bg1"/>
+                </a:solidFill>
+              </a:rPr>
               <a:t>For each column individually, success and failure were reassigned randomly to the data.</a:t>
             </a:r>
           </a:p>
           <a:p>
             <a:r>
-              <a:rPr lang="en-US" dirty="0"/>
+              <a:rPr lang="en-US" sz="2200">
+                <a:solidFill>
+                  <a:schemeClr val="bg1"/>
+                </a:solidFill>
+              </a:rPr>
               <a:t>This was performed 1000 times and the difference of means between the reassigned successful and failed projects was taken in each instance. </a:t>
             </a:r>
           </a:p>
           <a:p>
             <a:r>
-              <a:rPr lang="en-US" dirty="0"/>
+              <a:rPr lang="en-US" sz="2200">
+                <a:solidFill>
+                  <a:schemeClr val="bg1"/>
+                </a:solidFill>
+              </a:rPr>
               <a:t>The means were plotted, forming a normal distribution around 0.</a:t>
             </a:r>
           </a:p>
           <a:p>
             <a:r>
-              <a:rPr lang="en-US" dirty="0"/>
+              <a:rPr lang="en-US" sz="2200">
+                <a:solidFill>
+                  <a:schemeClr val="bg1"/>
+                </a:solidFill>
+              </a:rPr>
               <a:t>This distribution was compared with the observed difference of means from the original data.</a:t>
             </a:r>
           </a:p>
@@ -3620,7 +4522,7 @@
     </p:extLst>
   </p:cSld>
   <p:clrMapOvr>
-    <a:masterClrMapping/>
+    <a:overrideClrMapping bg1="dk1" tx1="lt1" bg2="dk2" tx2="lt2" accent1="accent1" accent2="accent2" accent3="accent3" accent4="accent4" accent5="accent5" accent6="accent6" hlink="hlink" folHlink="folHlink"/>
   </p:clrMapOvr>
 </p:sld>
 </file>
@@ -3976,6 +4878,17 @@
 <file path=ppt/slides/slide2.xml><?xml version="1.0" encoding="utf-8"?>
 <p:sld xmlns:a="http://schemas.openxmlformats.org/drawingml/2006/main" xmlns:r="http://schemas.openxmlformats.org/officeDocument/2006/relationships" xmlns:p="http://schemas.openxmlformats.org/presentationml/2006/main">
   <p:cSld>
+    <p:bg>
+      <p:bgPr>
+        <a:solidFill>
+          <a:schemeClr val="bg1">
+            <a:tint val="95000"/>
+            <a:satMod val="170000"/>
+          </a:schemeClr>
+        </a:solidFill>
+        <a:effectLst/>
+      </p:bgPr>
+    </p:bg>
     <p:spTree>
       <p:nvGrpSpPr>
         <p:cNvPr id="1" name=""/>
@@ -4006,58 +4919,331 @@
             <p:ph type="title"/>
           </p:nvPr>
         </p:nvSpPr>
-        <p:spPr/>
-        <p:txBody>
-          <a:bodyPr/>
-          <a:lstStyle/>
-          <a:p>
-            <a:r>
-              <a:rPr lang="en-US" dirty="0"/>
-              <a:t>What makes a successful Kickstarter project?</a:t>
-            </a:r>
-          </a:p>
-        </p:txBody>
-      </p:sp>
-      <p:sp>
-        <p:nvSpPr>
-          <p:cNvPr id="3" name="Content Placeholder 2">
-            <a:extLst>
-              <a:ext uri="{FF2B5EF4-FFF2-40B4-BE49-F238E27FC236}">
-                <a16:creationId xmlns:a16="http://schemas.microsoft.com/office/drawing/2014/main" id="{C96229C6-8663-0542-99D7-3A26FC5587A4}"/>
-              </a:ext>
-            </a:extLst>
-          </p:cNvPr>
-          <p:cNvSpPr>
-            <a:spLocks noGrp="1"/>
-          </p:cNvSpPr>
-          <p:nvPr>
-            <p:ph idx="1"/>
-          </p:nvPr>
-        </p:nvSpPr>
         <p:spPr>
           <a:xfrm>
-            <a:off x="838200" y="2382253"/>
-            <a:ext cx="10515600" cy="3794710"/>
+            <a:off x="804673" y="1445494"/>
+            <a:ext cx="3616856" cy="4376572"/>
           </a:xfrm>
         </p:spPr>
         <p:txBody>
-          <a:bodyPr/>
-          <a:lstStyle/>
-          <a:p>
-            <a:r>
-              <a:rPr lang="en-US" dirty="0"/>
+          <a:bodyPr anchor="ctr">
+            <a:normAutofit/>
+          </a:bodyPr>
+          <a:lstStyle/>
+          <a:p>
+            <a:r>
+              <a:rPr lang="en-US" sz="4800"/>
+              <a:t>What makes a successful Kickstarter project?</a:t>
+            </a:r>
+          </a:p>
+        </p:txBody>
+      </p:sp>
+      <p:sp>
+        <p:nvSpPr>
+          <p:cNvPr id="8" name="Freeform: Shape 7">
+            <a:extLst>
+              <a:ext uri="{FF2B5EF4-FFF2-40B4-BE49-F238E27FC236}">
+                <a16:creationId xmlns:a16="http://schemas.microsoft.com/office/drawing/2014/main" id="{DFF2AC85-FAA0-4844-813F-83C04D7382E2}"/>
+              </a:ext>
+              <a:ext uri="{C183D7F6-B498-43B3-948B-1728B52AA6E4}">
+                <adec:decorative xmlns:adec="http://schemas.microsoft.com/office/drawing/2017/decorative" val="1"/>
+              </a:ext>
+            </a:extLst>
+          </p:cNvPr>
+          <p:cNvSpPr>
+            <a:spLocks noGrp="1" noRot="1" noChangeAspect="1" noMove="1" noResize="1" noEditPoints="1" noAdjustHandles="1" noChangeArrowheads="1" noChangeShapeType="1" noTextEdit="1"/>
+          </p:cNvSpPr>
+          <p:nvPr>
+            <p:extLst>
+              <p:ext uri="{386F3935-93C4-4BCD-93E2-E3B085C9AB24}">
+                <p16:designElem xmlns:p16="http://schemas.microsoft.com/office/powerpoint/2015/main" val="1"/>
+              </p:ext>
+            </p:extLst>
+          </p:nvPr>
+        </p:nvSpPr>
+        <p:spPr>
+          <a:xfrm>
+            <a:off x="4907636" y="0"/>
+            <a:ext cx="7281316" cy="6858000"/>
+          </a:xfrm>
+          <a:custGeom>
+            <a:avLst/>
+            <a:gdLst>
+              <a:gd name="connsiteX0" fmla="*/ 361354 w 7281316"/>
+              <a:gd name="connsiteY0" fmla="*/ 0 h 6858000"/>
+              <a:gd name="connsiteX1" fmla="*/ 7281316 w 7281316"/>
+              <a:gd name="connsiteY1" fmla="*/ 0 h 6858000"/>
+              <a:gd name="connsiteX2" fmla="*/ 7281316 w 7281316"/>
+              <a:gd name="connsiteY2" fmla="*/ 6858000 h 6858000"/>
+              <a:gd name="connsiteX3" fmla="*/ 696735 w 7281316"/>
+              <a:gd name="connsiteY3" fmla="*/ 6858000 h 6858000"/>
+              <a:gd name="connsiteX4" fmla="*/ 690849 w 7281316"/>
+              <a:gd name="connsiteY4" fmla="*/ 6842426 h 6858000"/>
+              <a:gd name="connsiteX5" fmla="*/ 335637 w 7281316"/>
+              <a:gd name="connsiteY5" fmla="*/ 94722 h 6858000"/>
+            </a:gdLst>
+            <a:ahLst/>
+            <a:cxnLst>
+              <a:cxn ang="0">
+                <a:pos x="connsiteX0" y="connsiteY0"/>
+              </a:cxn>
+              <a:cxn ang="0">
+                <a:pos x="connsiteX1" y="connsiteY1"/>
+              </a:cxn>
+              <a:cxn ang="0">
+                <a:pos x="connsiteX2" y="connsiteY2"/>
+              </a:cxn>
+              <a:cxn ang="0">
+                <a:pos x="connsiteX3" y="connsiteY3"/>
+              </a:cxn>
+              <a:cxn ang="0">
+                <a:pos x="connsiteX4" y="connsiteY4"/>
+              </a:cxn>
+              <a:cxn ang="0">
+                <a:pos x="connsiteX5" y="connsiteY5"/>
+              </a:cxn>
+            </a:cxnLst>
+            <a:rect l="l" t="t" r="r" b="b"/>
+            <a:pathLst>
+              <a:path w="7281316" h="6858000">
+                <a:moveTo>
+                  <a:pt x="361354" y="0"/>
+                </a:moveTo>
+                <a:lnTo>
+                  <a:pt x="7281316" y="0"/>
+                </a:lnTo>
+                <a:lnTo>
+                  <a:pt x="7281316" y="6858000"/>
+                </a:lnTo>
+                <a:lnTo>
+                  <a:pt x="696735" y="6858000"/>
+                </a:lnTo>
+                <a:lnTo>
+                  <a:pt x="690849" y="6842426"/>
+                </a:lnTo>
+                <a:cubicBezTo>
+                  <a:pt x="-65870" y="4704140"/>
+                  <a:pt x="-226206" y="2374054"/>
+                  <a:pt x="335637" y="94722"/>
+                </a:cubicBezTo>
+                <a:close/>
+              </a:path>
+            </a:pathLst>
+          </a:custGeom>
+          <a:solidFill>
+            <a:schemeClr val="tx1">
+              <a:alpha val="80000"/>
+            </a:schemeClr>
+          </a:solidFill>
+          <a:ln>
+            <a:noFill/>
+          </a:ln>
+        </p:spPr>
+        <p:style>
+          <a:lnRef idx="2">
+            <a:schemeClr val="accent1">
+              <a:shade val="50000"/>
+            </a:schemeClr>
+          </a:lnRef>
+          <a:fillRef idx="1">
+            <a:schemeClr val="accent1"/>
+          </a:fillRef>
+          <a:effectRef idx="0">
+            <a:schemeClr val="accent1"/>
+          </a:effectRef>
+          <a:fontRef idx="minor">
+            <a:schemeClr val="lt1"/>
+          </a:fontRef>
+        </p:style>
+        <p:txBody>
+          <a:bodyPr rtlCol="0" anchor="ctr"/>
+          <a:lstStyle/>
+          <a:p>
+            <a:pPr algn="ctr"/>
+            <a:endParaRPr lang="en-US"/>
+          </a:p>
+        </p:txBody>
+      </p:sp>
+      <p:sp>
+        <p:nvSpPr>
+          <p:cNvPr id="10" name="Freeform: Shape 9">
+            <a:extLst>
+              <a:ext uri="{FF2B5EF4-FFF2-40B4-BE49-F238E27FC236}">
+                <a16:creationId xmlns:a16="http://schemas.microsoft.com/office/drawing/2014/main" id="{89CC0F1E-BAA2-47B1-8F83-7ECB9FD9E009}"/>
+              </a:ext>
+              <a:ext uri="{C183D7F6-B498-43B3-948B-1728B52AA6E4}">
+                <adec:decorative xmlns:adec="http://schemas.microsoft.com/office/drawing/2017/decorative" val="1"/>
+              </a:ext>
+            </a:extLst>
+          </p:cNvPr>
+          <p:cNvSpPr>
+            <a:spLocks noGrp="1" noRot="1" noChangeAspect="1" noMove="1" noResize="1" noEditPoints="1" noAdjustHandles="1" noChangeArrowheads="1" noChangeShapeType="1" noTextEdit="1"/>
+          </p:cNvSpPr>
+          <p:nvPr>
+            <p:extLst>
+              <p:ext uri="{386F3935-93C4-4BCD-93E2-E3B085C9AB24}">
+                <p16:designElem xmlns:p16="http://schemas.microsoft.com/office/powerpoint/2015/main" val="1"/>
+              </p:ext>
+            </p:extLst>
+          </p:nvPr>
+        </p:nvSpPr>
+        <p:spPr>
+          <a:xfrm>
+            <a:off x="5189558" y="0"/>
+            <a:ext cx="6999394" cy="6858000"/>
+          </a:xfrm>
+          <a:custGeom>
+            <a:avLst/>
+            <a:gdLst>
+              <a:gd name="connsiteX0" fmla="*/ 6999394 w 6999394"/>
+              <a:gd name="connsiteY0" fmla="*/ 0 h 6858000"/>
+              <a:gd name="connsiteX1" fmla="*/ 6999394 w 6999394"/>
+              <a:gd name="connsiteY1" fmla="*/ 6858000 h 6858000"/>
+              <a:gd name="connsiteX2" fmla="*/ 717029 w 6999394"/>
+              <a:gd name="connsiteY2" fmla="*/ 6858000 h 6858000"/>
+              <a:gd name="connsiteX3" fmla="*/ 623642 w 6999394"/>
+              <a:gd name="connsiteY3" fmla="*/ 6599363 h 6858000"/>
+              <a:gd name="connsiteX4" fmla="*/ 319533 w 6999394"/>
+              <a:gd name="connsiteY4" fmla="*/ 193787 h 6858000"/>
+              <a:gd name="connsiteX5" fmla="*/ 371685 w 6999394"/>
+              <a:gd name="connsiteY5" fmla="*/ 1 h 6858000"/>
+            </a:gdLst>
+            <a:ahLst/>
+            <a:cxnLst>
+              <a:cxn ang="0">
+                <a:pos x="connsiteX0" y="connsiteY0"/>
+              </a:cxn>
+              <a:cxn ang="0">
+                <a:pos x="connsiteX1" y="connsiteY1"/>
+              </a:cxn>
+              <a:cxn ang="0">
+                <a:pos x="connsiteX2" y="connsiteY2"/>
+              </a:cxn>
+              <a:cxn ang="0">
+                <a:pos x="connsiteX3" y="connsiteY3"/>
+              </a:cxn>
+              <a:cxn ang="0">
+                <a:pos x="connsiteX4" y="connsiteY4"/>
+              </a:cxn>
+              <a:cxn ang="0">
+                <a:pos x="connsiteX5" y="connsiteY5"/>
+              </a:cxn>
+            </a:cxnLst>
+            <a:rect l="l" t="t" r="r" b="b"/>
+            <a:pathLst>
+              <a:path w="6999394" h="6858000">
+                <a:moveTo>
+                  <a:pt x="6999394" y="0"/>
+                </a:moveTo>
+                <a:lnTo>
+                  <a:pt x="6999394" y="6858000"/>
+                </a:lnTo>
+                <a:lnTo>
+                  <a:pt x="717029" y="6858000"/>
+                </a:lnTo>
+                <a:lnTo>
+                  <a:pt x="623642" y="6599363"/>
+                </a:lnTo>
+                <a:cubicBezTo>
+                  <a:pt x="-67685" y="4563346"/>
+                  <a:pt x="-206622" y="2355719"/>
+                  <a:pt x="319533" y="193787"/>
+                </a:cubicBezTo>
+                <a:lnTo>
+                  <a:pt x="371685" y="1"/>
+                </a:lnTo>
+                <a:close/>
+              </a:path>
+            </a:pathLst>
+          </a:custGeom>
+          <a:solidFill>
+            <a:schemeClr val="tx1">
+              <a:alpha val="80000"/>
+            </a:schemeClr>
+          </a:solidFill>
+          <a:ln>
+            <a:noFill/>
+          </a:ln>
+        </p:spPr>
+        <p:style>
+          <a:lnRef idx="2">
+            <a:schemeClr val="accent1">
+              <a:shade val="50000"/>
+            </a:schemeClr>
+          </a:lnRef>
+          <a:fillRef idx="1">
+            <a:schemeClr val="accent1"/>
+          </a:fillRef>
+          <a:effectRef idx="0">
+            <a:schemeClr val="accent1"/>
+          </a:effectRef>
+          <a:fontRef idx="minor">
+            <a:schemeClr val="lt1"/>
+          </a:fontRef>
+        </p:style>
+        <p:txBody>
+          <a:bodyPr rtlCol="0" anchor="ctr"/>
+          <a:lstStyle/>
+          <a:p>
+            <a:pPr algn="ctr"/>
+            <a:endParaRPr lang="en-US"/>
+          </a:p>
+        </p:txBody>
+      </p:sp>
+      <p:sp>
+        <p:nvSpPr>
+          <p:cNvPr id="3" name="Content Placeholder 2">
+            <a:extLst>
+              <a:ext uri="{FF2B5EF4-FFF2-40B4-BE49-F238E27FC236}">
+                <a16:creationId xmlns:a16="http://schemas.microsoft.com/office/drawing/2014/main" id="{C96229C6-8663-0542-99D7-3A26FC5587A4}"/>
+              </a:ext>
+            </a:extLst>
+          </p:cNvPr>
+          <p:cNvSpPr>
+            <a:spLocks noGrp="1"/>
+          </p:cNvSpPr>
+          <p:nvPr>
+            <p:ph idx="1"/>
+          </p:nvPr>
+        </p:nvSpPr>
+        <p:spPr>
+          <a:xfrm>
+            <a:off x="6096000" y="1399032"/>
+            <a:ext cx="5501834" cy="4471416"/>
+          </a:xfrm>
+        </p:spPr>
+        <p:txBody>
+          <a:bodyPr anchor="ctr">
+            <a:normAutofit/>
+          </a:bodyPr>
+          <a:lstStyle/>
+          <a:p>
+            <a:r>
+              <a:rPr lang="en-US" sz="2200">
+                <a:solidFill>
+                  <a:schemeClr val="bg1"/>
+                </a:solidFill>
+              </a:rPr>
               <a:t>Kickstarter has hosted 473,134 projects since 2009</a:t>
             </a:r>
           </a:p>
           <a:p>
             <a:r>
-              <a:rPr lang="en-US" dirty="0"/>
+              <a:rPr lang="en-US" sz="2200">
+                <a:solidFill>
+                  <a:schemeClr val="bg1"/>
+                </a:solidFill>
+              </a:rPr>
               <a:t>Only 37.49% have been successful. That’s almost twice as many failed projects as successful ones!</a:t>
             </a:r>
           </a:p>
           <a:p>
             <a:r>
-              <a:rPr lang="en-US" dirty="0"/>
+              <a:rPr lang="en-US" sz="2200">
+                <a:solidFill>
+                  <a:schemeClr val="bg1"/>
+                </a:solidFill>
+              </a:rPr>
               <a:t>Can we figure out which factors lead to project success and which lead to project failure?</a:t>
             </a:r>
           </a:p>
@@ -4071,7 +5257,7 @@
     </p:extLst>
   </p:cSld>
   <p:clrMapOvr>
-    <a:masterClrMapping/>
+    <a:overrideClrMapping bg1="dk1" tx1="lt1" bg2="dk2" tx2="lt2" accent1="accent1" accent2="accent2" accent3="accent3" accent4="accent4" accent5="accent5" accent6="accent6" hlink="hlink" folHlink="folHlink"/>
   </p:clrMapOvr>
 </p:sld>
 </file>
@@ -4079,6 +5265,17 @@
 <file path=ppt/slides/slide3.xml><?xml version="1.0" encoding="utf-8"?>
 <p:sld xmlns:a="http://schemas.openxmlformats.org/drawingml/2006/main" xmlns:r="http://schemas.openxmlformats.org/officeDocument/2006/relationships" xmlns:p="http://schemas.openxmlformats.org/presentationml/2006/main">
   <p:cSld>
+    <p:bg>
+      <p:bgPr>
+        <a:solidFill>
+          <a:schemeClr val="bg1">
+            <a:tint val="95000"/>
+            <a:satMod val="170000"/>
+          </a:schemeClr>
+        </a:solidFill>
+        <a:effectLst/>
+      </p:bgPr>
+    </p:bg>
     <p:spTree>
       <p:nvGrpSpPr>
         <p:cNvPr id="1" name=""/>
@@ -4109,86 +5306,351 @@
             <p:ph type="title"/>
           </p:nvPr>
         </p:nvSpPr>
-        <p:spPr/>
-        <p:txBody>
-          <a:bodyPr/>
-          <a:lstStyle/>
-          <a:p>
-            <a:r>
-              <a:rPr lang="en-US" dirty="0"/>
-              <a:t>Who benefits?</a:t>
-            </a:r>
-          </a:p>
-        </p:txBody>
-      </p:sp>
-      <p:sp>
-        <p:nvSpPr>
-          <p:cNvPr id="3" name="Content Placeholder 2">
-            <a:extLst>
-              <a:ext uri="{FF2B5EF4-FFF2-40B4-BE49-F238E27FC236}">
-                <a16:creationId xmlns:a16="http://schemas.microsoft.com/office/drawing/2014/main" id="{49A2673B-047D-1140-91E6-2ED5E78E9DE0}"/>
-              </a:ext>
-            </a:extLst>
-          </p:cNvPr>
-          <p:cNvSpPr>
-            <a:spLocks noGrp="1"/>
-          </p:cNvSpPr>
-          <p:nvPr>
-            <p:ph idx="1"/>
-          </p:nvPr>
-        </p:nvSpPr>
         <p:spPr>
           <a:xfrm>
-            <a:off x="838200" y="2045367"/>
-            <a:ext cx="10515600" cy="4131595"/>
+            <a:off x="804673" y="1445494"/>
+            <a:ext cx="3616856" cy="4376572"/>
           </a:xfrm>
         </p:spPr>
         <p:txBody>
-          <a:bodyPr/>
-          <a:lstStyle/>
-          <a:p>
-            <a:r>
-              <a:rPr lang="en-US" dirty="0"/>
+          <a:bodyPr anchor="ctr">
+            <a:normAutofit/>
+          </a:bodyPr>
+          <a:lstStyle/>
+          <a:p>
+            <a:r>
+              <a:rPr lang="en-US" sz="4800"/>
+              <a:t>Who benefits?</a:t>
+            </a:r>
+          </a:p>
+        </p:txBody>
+      </p:sp>
+      <p:sp>
+        <p:nvSpPr>
+          <p:cNvPr id="8" name="Freeform: Shape 7">
+            <a:extLst>
+              <a:ext uri="{FF2B5EF4-FFF2-40B4-BE49-F238E27FC236}">
+                <a16:creationId xmlns:a16="http://schemas.microsoft.com/office/drawing/2014/main" id="{DFF2AC85-FAA0-4844-813F-83C04D7382E2}"/>
+              </a:ext>
+              <a:ext uri="{C183D7F6-B498-43B3-948B-1728B52AA6E4}">
+                <adec:decorative xmlns:adec="http://schemas.microsoft.com/office/drawing/2017/decorative" val="1"/>
+              </a:ext>
+            </a:extLst>
+          </p:cNvPr>
+          <p:cNvSpPr>
+            <a:spLocks noGrp="1" noRot="1" noChangeAspect="1" noMove="1" noResize="1" noEditPoints="1" noAdjustHandles="1" noChangeArrowheads="1" noChangeShapeType="1" noTextEdit="1"/>
+          </p:cNvSpPr>
+          <p:nvPr>
+            <p:extLst>
+              <p:ext uri="{386F3935-93C4-4BCD-93E2-E3B085C9AB24}">
+                <p16:designElem xmlns:p16="http://schemas.microsoft.com/office/powerpoint/2015/main" val="1"/>
+              </p:ext>
+            </p:extLst>
+          </p:nvPr>
+        </p:nvSpPr>
+        <p:spPr>
+          <a:xfrm>
+            <a:off x="4907636" y="0"/>
+            <a:ext cx="7281316" cy="6858000"/>
+          </a:xfrm>
+          <a:custGeom>
+            <a:avLst/>
+            <a:gdLst>
+              <a:gd name="connsiteX0" fmla="*/ 361354 w 7281316"/>
+              <a:gd name="connsiteY0" fmla="*/ 0 h 6858000"/>
+              <a:gd name="connsiteX1" fmla="*/ 7281316 w 7281316"/>
+              <a:gd name="connsiteY1" fmla="*/ 0 h 6858000"/>
+              <a:gd name="connsiteX2" fmla="*/ 7281316 w 7281316"/>
+              <a:gd name="connsiteY2" fmla="*/ 6858000 h 6858000"/>
+              <a:gd name="connsiteX3" fmla="*/ 696735 w 7281316"/>
+              <a:gd name="connsiteY3" fmla="*/ 6858000 h 6858000"/>
+              <a:gd name="connsiteX4" fmla="*/ 690849 w 7281316"/>
+              <a:gd name="connsiteY4" fmla="*/ 6842426 h 6858000"/>
+              <a:gd name="connsiteX5" fmla="*/ 335637 w 7281316"/>
+              <a:gd name="connsiteY5" fmla="*/ 94722 h 6858000"/>
+            </a:gdLst>
+            <a:ahLst/>
+            <a:cxnLst>
+              <a:cxn ang="0">
+                <a:pos x="connsiteX0" y="connsiteY0"/>
+              </a:cxn>
+              <a:cxn ang="0">
+                <a:pos x="connsiteX1" y="connsiteY1"/>
+              </a:cxn>
+              <a:cxn ang="0">
+                <a:pos x="connsiteX2" y="connsiteY2"/>
+              </a:cxn>
+              <a:cxn ang="0">
+                <a:pos x="connsiteX3" y="connsiteY3"/>
+              </a:cxn>
+              <a:cxn ang="0">
+                <a:pos x="connsiteX4" y="connsiteY4"/>
+              </a:cxn>
+              <a:cxn ang="0">
+                <a:pos x="connsiteX5" y="connsiteY5"/>
+              </a:cxn>
+            </a:cxnLst>
+            <a:rect l="l" t="t" r="r" b="b"/>
+            <a:pathLst>
+              <a:path w="7281316" h="6858000">
+                <a:moveTo>
+                  <a:pt x="361354" y="0"/>
+                </a:moveTo>
+                <a:lnTo>
+                  <a:pt x="7281316" y="0"/>
+                </a:lnTo>
+                <a:lnTo>
+                  <a:pt x="7281316" y="6858000"/>
+                </a:lnTo>
+                <a:lnTo>
+                  <a:pt x="696735" y="6858000"/>
+                </a:lnTo>
+                <a:lnTo>
+                  <a:pt x="690849" y="6842426"/>
+                </a:lnTo>
+                <a:cubicBezTo>
+                  <a:pt x="-65870" y="4704140"/>
+                  <a:pt x="-226206" y="2374054"/>
+                  <a:pt x="335637" y="94722"/>
+                </a:cubicBezTo>
+                <a:close/>
+              </a:path>
+            </a:pathLst>
+          </a:custGeom>
+          <a:solidFill>
+            <a:schemeClr val="tx1">
+              <a:alpha val="80000"/>
+            </a:schemeClr>
+          </a:solidFill>
+          <a:ln>
+            <a:noFill/>
+          </a:ln>
+        </p:spPr>
+        <p:style>
+          <a:lnRef idx="2">
+            <a:schemeClr val="accent1">
+              <a:shade val="50000"/>
+            </a:schemeClr>
+          </a:lnRef>
+          <a:fillRef idx="1">
+            <a:schemeClr val="accent1"/>
+          </a:fillRef>
+          <a:effectRef idx="0">
+            <a:schemeClr val="accent1"/>
+          </a:effectRef>
+          <a:fontRef idx="minor">
+            <a:schemeClr val="lt1"/>
+          </a:fontRef>
+        </p:style>
+        <p:txBody>
+          <a:bodyPr rtlCol="0" anchor="ctr"/>
+          <a:lstStyle/>
+          <a:p>
+            <a:pPr algn="ctr"/>
+            <a:endParaRPr lang="en-US"/>
+          </a:p>
+        </p:txBody>
+      </p:sp>
+      <p:sp>
+        <p:nvSpPr>
+          <p:cNvPr id="10" name="Freeform: Shape 9">
+            <a:extLst>
+              <a:ext uri="{FF2B5EF4-FFF2-40B4-BE49-F238E27FC236}">
+                <a16:creationId xmlns:a16="http://schemas.microsoft.com/office/drawing/2014/main" id="{89CC0F1E-BAA2-47B1-8F83-7ECB9FD9E009}"/>
+              </a:ext>
+              <a:ext uri="{C183D7F6-B498-43B3-948B-1728B52AA6E4}">
+                <adec:decorative xmlns:adec="http://schemas.microsoft.com/office/drawing/2017/decorative" val="1"/>
+              </a:ext>
+            </a:extLst>
+          </p:cNvPr>
+          <p:cNvSpPr>
+            <a:spLocks noGrp="1" noRot="1" noChangeAspect="1" noMove="1" noResize="1" noEditPoints="1" noAdjustHandles="1" noChangeArrowheads="1" noChangeShapeType="1" noTextEdit="1"/>
+          </p:cNvSpPr>
+          <p:nvPr>
+            <p:extLst>
+              <p:ext uri="{386F3935-93C4-4BCD-93E2-E3B085C9AB24}">
+                <p16:designElem xmlns:p16="http://schemas.microsoft.com/office/powerpoint/2015/main" val="1"/>
+              </p:ext>
+            </p:extLst>
+          </p:nvPr>
+        </p:nvSpPr>
+        <p:spPr>
+          <a:xfrm>
+            <a:off x="5189558" y="0"/>
+            <a:ext cx="6999394" cy="6858000"/>
+          </a:xfrm>
+          <a:custGeom>
+            <a:avLst/>
+            <a:gdLst>
+              <a:gd name="connsiteX0" fmla="*/ 6999394 w 6999394"/>
+              <a:gd name="connsiteY0" fmla="*/ 0 h 6858000"/>
+              <a:gd name="connsiteX1" fmla="*/ 6999394 w 6999394"/>
+              <a:gd name="connsiteY1" fmla="*/ 6858000 h 6858000"/>
+              <a:gd name="connsiteX2" fmla="*/ 717029 w 6999394"/>
+              <a:gd name="connsiteY2" fmla="*/ 6858000 h 6858000"/>
+              <a:gd name="connsiteX3" fmla="*/ 623642 w 6999394"/>
+              <a:gd name="connsiteY3" fmla="*/ 6599363 h 6858000"/>
+              <a:gd name="connsiteX4" fmla="*/ 319533 w 6999394"/>
+              <a:gd name="connsiteY4" fmla="*/ 193787 h 6858000"/>
+              <a:gd name="connsiteX5" fmla="*/ 371685 w 6999394"/>
+              <a:gd name="connsiteY5" fmla="*/ 1 h 6858000"/>
+            </a:gdLst>
+            <a:ahLst/>
+            <a:cxnLst>
+              <a:cxn ang="0">
+                <a:pos x="connsiteX0" y="connsiteY0"/>
+              </a:cxn>
+              <a:cxn ang="0">
+                <a:pos x="connsiteX1" y="connsiteY1"/>
+              </a:cxn>
+              <a:cxn ang="0">
+                <a:pos x="connsiteX2" y="connsiteY2"/>
+              </a:cxn>
+              <a:cxn ang="0">
+                <a:pos x="connsiteX3" y="connsiteY3"/>
+              </a:cxn>
+              <a:cxn ang="0">
+                <a:pos x="connsiteX4" y="connsiteY4"/>
+              </a:cxn>
+              <a:cxn ang="0">
+                <a:pos x="connsiteX5" y="connsiteY5"/>
+              </a:cxn>
+            </a:cxnLst>
+            <a:rect l="l" t="t" r="r" b="b"/>
+            <a:pathLst>
+              <a:path w="6999394" h="6858000">
+                <a:moveTo>
+                  <a:pt x="6999394" y="0"/>
+                </a:moveTo>
+                <a:lnTo>
+                  <a:pt x="6999394" y="6858000"/>
+                </a:lnTo>
+                <a:lnTo>
+                  <a:pt x="717029" y="6858000"/>
+                </a:lnTo>
+                <a:lnTo>
+                  <a:pt x="623642" y="6599363"/>
+                </a:lnTo>
+                <a:cubicBezTo>
+                  <a:pt x="-67685" y="4563346"/>
+                  <a:pt x="-206622" y="2355719"/>
+                  <a:pt x="319533" y="193787"/>
+                </a:cubicBezTo>
+                <a:lnTo>
+                  <a:pt x="371685" y="1"/>
+                </a:lnTo>
+                <a:close/>
+              </a:path>
+            </a:pathLst>
+          </a:custGeom>
+          <a:solidFill>
+            <a:schemeClr val="tx1">
+              <a:alpha val="80000"/>
+            </a:schemeClr>
+          </a:solidFill>
+          <a:ln>
+            <a:noFill/>
+          </a:ln>
+        </p:spPr>
+        <p:style>
+          <a:lnRef idx="2">
+            <a:schemeClr val="accent1">
+              <a:shade val="50000"/>
+            </a:schemeClr>
+          </a:lnRef>
+          <a:fillRef idx="1">
+            <a:schemeClr val="accent1"/>
+          </a:fillRef>
+          <a:effectRef idx="0">
+            <a:schemeClr val="accent1"/>
+          </a:effectRef>
+          <a:fontRef idx="minor">
+            <a:schemeClr val="lt1"/>
+          </a:fontRef>
+        </p:style>
+        <p:txBody>
+          <a:bodyPr rtlCol="0" anchor="ctr"/>
+          <a:lstStyle/>
+          <a:p>
+            <a:pPr algn="ctr"/>
+            <a:endParaRPr lang="en-US"/>
+          </a:p>
+        </p:txBody>
+      </p:sp>
+      <p:sp>
+        <p:nvSpPr>
+          <p:cNvPr id="3" name="Content Placeholder 2">
+            <a:extLst>
+              <a:ext uri="{FF2B5EF4-FFF2-40B4-BE49-F238E27FC236}">
+                <a16:creationId xmlns:a16="http://schemas.microsoft.com/office/drawing/2014/main" id="{49A2673B-047D-1140-91E6-2ED5E78E9DE0}"/>
+              </a:ext>
+            </a:extLst>
+          </p:cNvPr>
+          <p:cNvSpPr>
+            <a:spLocks noGrp="1"/>
+          </p:cNvSpPr>
+          <p:nvPr>
+            <p:ph idx="1"/>
+          </p:nvPr>
+        </p:nvSpPr>
+        <p:spPr>
+          <a:xfrm>
+            <a:off x="6096000" y="1399032"/>
+            <a:ext cx="5501834" cy="4471416"/>
+          </a:xfrm>
+        </p:spPr>
+        <p:txBody>
+          <a:bodyPr anchor="ctr">
+            <a:normAutofit/>
+          </a:bodyPr>
+          <a:lstStyle/>
+          <a:p>
+            <a:r>
+              <a:rPr lang="en-US" sz="2200">
+                <a:solidFill>
+                  <a:schemeClr val="bg1"/>
+                </a:solidFill>
+              </a:rPr>
               <a:t>Kickstarter users who want to maximize their chances of success.</a:t>
             </a:r>
           </a:p>
           <a:p>
             <a:r>
-              <a:rPr lang="en-US" dirty="0"/>
+              <a:rPr lang="en-US" sz="2200">
+                <a:solidFill>
+                  <a:schemeClr val="bg1"/>
+                </a:solidFill>
+              </a:rPr>
               <a:t>Kickstarter the company, because more success means more people signing up.</a:t>
             </a:r>
           </a:p>
           <a:p>
             <a:r>
-              <a:rPr lang="en-US" dirty="0"/>
-              <a:t>Other crowdsourcing platforms and users, such as GoFundMe, IndieGoGo, Causes, </a:t>
-            </a:r>
-            <a:r>
-              <a:rPr lang="en-US" dirty="0" err="1"/>
-              <a:t>Patreon</a:t>
-            </a:r>
-            <a:r>
-              <a:rPr lang="en-US" dirty="0"/>
-              <a:t>, and </a:t>
-            </a:r>
-            <a:r>
-              <a:rPr lang="en-US" dirty="0" err="1"/>
-              <a:t>LendingClub</a:t>
-            </a:r>
-            <a:r>
-              <a:rPr lang="en-US" dirty="0"/>
-              <a:t>.</a:t>
-            </a:r>
-          </a:p>
-          <a:p>
-            <a:r>
-              <a:rPr lang="en-US" dirty="0"/>
+              <a:rPr lang="en-US" sz="2200">
+                <a:solidFill>
+                  <a:schemeClr val="bg1"/>
+                </a:solidFill>
+              </a:rPr>
+              <a:t>Other crowdsourcing platforms and users, such as GoFundMe, IndieGoGo, Causes, Patreon, and LendingClub.</a:t>
+            </a:r>
+          </a:p>
+          <a:p>
+            <a:r>
+              <a:rPr lang="en-US" sz="2200">
+                <a:solidFill>
+                  <a:schemeClr val="bg1"/>
+                </a:solidFill>
+              </a:rPr>
               <a:t>Start-ups in the investment phases of their growth.</a:t>
             </a:r>
           </a:p>
           <a:p>
             <a:r>
-              <a:rPr lang="en-US" dirty="0"/>
+              <a:rPr lang="en-US" sz="2200">
+                <a:solidFill>
+                  <a:schemeClr val="bg1"/>
+                </a:solidFill>
+              </a:rPr>
               <a:t>Charity and non-profit fundraising campaigns.</a:t>
             </a:r>
           </a:p>
@@ -4202,7 +5664,7 @@
     </p:extLst>
   </p:cSld>
   <p:clrMapOvr>
-    <a:masterClrMapping/>
+    <a:overrideClrMapping bg1="dk1" tx1="lt1" bg2="dk2" tx2="lt2" accent1="accent1" accent2="accent2" accent3="accent3" accent4="accent4" accent5="accent5" accent6="accent6" hlink="hlink" folHlink="folHlink"/>
   </p:clrMapOvr>
 </p:sld>
 </file>
@@ -4210,6 +5672,17 @@
 <file path=ppt/slides/slide4.xml><?xml version="1.0" encoding="utf-8"?>
 <p:sld xmlns:a="http://schemas.openxmlformats.org/drawingml/2006/main" xmlns:r="http://schemas.openxmlformats.org/officeDocument/2006/relationships" xmlns:p="http://schemas.openxmlformats.org/presentationml/2006/main">
   <p:cSld>
+    <p:bg>
+      <p:bgPr>
+        <a:solidFill>
+          <a:schemeClr val="bg1">
+            <a:tint val="95000"/>
+            <a:satMod val="170000"/>
+          </a:schemeClr>
+        </a:solidFill>
+        <a:effectLst/>
+      </p:bgPr>
+    </p:bg>
     <p:spTree>
       <p:nvGrpSpPr>
         <p:cNvPr id="1" name=""/>
@@ -4240,13 +5713,20 @@
             <p:ph type="title"/>
           </p:nvPr>
         </p:nvSpPr>
-        <p:spPr/>
-        <p:txBody>
-          <a:bodyPr/>
-          <a:lstStyle/>
-          <a:p>
-            <a:r>
-              <a:rPr lang="en-US" dirty="0"/>
+        <p:spPr>
+          <a:xfrm>
+            <a:off x="804673" y="1445494"/>
+            <a:ext cx="3616856" cy="4376572"/>
+          </a:xfrm>
+        </p:spPr>
+        <p:txBody>
+          <a:bodyPr anchor="ctr">
+            <a:normAutofit/>
+          </a:bodyPr>
+          <a:lstStyle/>
+          <a:p>
+            <a:r>
+              <a:rPr lang="en-US" sz="4800"/>
               <a:t>Data Wrangling</a:t>
             </a:r>
           </a:p>
@@ -4254,6 +5734,258 @@
       </p:sp>
       <p:sp>
         <p:nvSpPr>
+          <p:cNvPr id="8" name="Freeform: Shape 7">
+            <a:extLst>
+              <a:ext uri="{FF2B5EF4-FFF2-40B4-BE49-F238E27FC236}">
+                <a16:creationId xmlns:a16="http://schemas.microsoft.com/office/drawing/2014/main" id="{DFF2AC85-FAA0-4844-813F-83C04D7382E2}"/>
+              </a:ext>
+              <a:ext uri="{C183D7F6-B498-43B3-948B-1728B52AA6E4}">
+                <adec:decorative xmlns:adec="http://schemas.microsoft.com/office/drawing/2017/decorative" val="1"/>
+              </a:ext>
+            </a:extLst>
+          </p:cNvPr>
+          <p:cNvSpPr>
+            <a:spLocks noGrp="1" noRot="1" noChangeAspect="1" noMove="1" noResize="1" noEditPoints="1" noAdjustHandles="1" noChangeArrowheads="1" noChangeShapeType="1" noTextEdit="1"/>
+          </p:cNvSpPr>
+          <p:nvPr>
+            <p:extLst>
+              <p:ext uri="{386F3935-93C4-4BCD-93E2-E3B085C9AB24}">
+                <p16:designElem xmlns:p16="http://schemas.microsoft.com/office/powerpoint/2015/main" val="1"/>
+              </p:ext>
+            </p:extLst>
+          </p:nvPr>
+        </p:nvSpPr>
+        <p:spPr>
+          <a:xfrm>
+            <a:off x="4907636" y="0"/>
+            <a:ext cx="7281316" cy="6858000"/>
+          </a:xfrm>
+          <a:custGeom>
+            <a:avLst/>
+            <a:gdLst>
+              <a:gd name="connsiteX0" fmla="*/ 361354 w 7281316"/>
+              <a:gd name="connsiteY0" fmla="*/ 0 h 6858000"/>
+              <a:gd name="connsiteX1" fmla="*/ 7281316 w 7281316"/>
+              <a:gd name="connsiteY1" fmla="*/ 0 h 6858000"/>
+              <a:gd name="connsiteX2" fmla="*/ 7281316 w 7281316"/>
+              <a:gd name="connsiteY2" fmla="*/ 6858000 h 6858000"/>
+              <a:gd name="connsiteX3" fmla="*/ 696735 w 7281316"/>
+              <a:gd name="connsiteY3" fmla="*/ 6858000 h 6858000"/>
+              <a:gd name="connsiteX4" fmla="*/ 690849 w 7281316"/>
+              <a:gd name="connsiteY4" fmla="*/ 6842426 h 6858000"/>
+              <a:gd name="connsiteX5" fmla="*/ 335637 w 7281316"/>
+              <a:gd name="connsiteY5" fmla="*/ 94722 h 6858000"/>
+            </a:gdLst>
+            <a:ahLst/>
+            <a:cxnLst>
+              <a:cxn ang="0">
+                <a:pos x="connsiteX0" y="connsiteY0"/>
+              </a:cxn>
+              <a:cxn ang="0">
+                <a:pos x="connsiteX1" y="connsiteY1"/>
+              </a:cxn>
+              <a:cxn ang="0">
+                <a:pos x="connsiteX2" y="connsiteY2"/>
+              </a:cxn>
+              <a:cxn ang="0">
+                <a:pos x="connsiteX3" y="connsiteY3"/>
+              </a:cxn>
+              <a:cxn ang="0">
+                <a:pos x="connsiteX4" y="connsiteY4"/>
+              </a:cxn>
+              <a:cxn ang="0">
+                <a:pos x="connsiteX5" y="connsiteY5"/>
+              </a:cxn>
+            </a:cxnLst>
+            <a:rect l="l" t="t" r="r" b="b"/>
+            <a:pathLst>
+              <a:path w="7281316" h="6858000">
+                <a:moveTo>
+                  <a:pt x="361354" y="0"/>
+                </a:moveTo>
+                <a:lnTo>
+                  <a:pt x="7281316" y="0"/>
+                </a:lnTo>
+                <a:lnTo>
+                  <a:pt x="7281316" y="6858000"/>
+                </a:lnTo>
+                <a:lnTo>
+                  <a:pt x="696735" y="6858000"/>
+                </a:lnTo>
+                <a:lnTo>
+                  <a:pt x="690849" y="6842426"/>
+                </a:lnTo>
+                <a:cubicBezTo>
+                  <a:pt x="-65870" y="4704140"/>
+                  <a:pt x="-226206" y="2374054"/>
+                  <a:pt x="335637" y="94722"/>
+                </a:cubicBezTo>
+                <a:close/>
+              </a:path>
+            </a:pathLst>
+          </a:custGeom>
+          <a:solidFill>
+            <a:schemeClr val="tx1">
+              <a:alpha val="80000"/>
+            </a:schemeClr>
+          </a:solidFill>
+          <a:ln>
+            <a:noFill/>
+          </a:ln>
+        </p:spPr>
+        <p:style>
+          <a:lnRef idx="2">
+            <a:schemeClr val="accent1">
+              <a:shade val="50000"/>
+            </a:schemeClr>
+          </a:lnRef>
+          <a:fillRef idx="1">
+            <a:schemeClr val="accent1"/>
+          </a:fillRef>
+          <a:effectRef idx="0">
+            <a:schemeClr val="accent1"/>
+          </a:effectRef>
+          <a:fontRef idx="minor">
+            <a:schemeClr val="lt1"/>
+          </a:fontRef>
+        </p:style>
+        <p:txBody>
+          <a:bodyPr rtlCol="0" anchor="ctr"/>
+          <a:lstStyle/>
+          <a:p>
+            <a:pPr algn="ctr"/>
+            <a:endParaRPr lang="en-US"/>
+          </a:p>
+        </p:txBody>
+      </p:sp>
+      <p:sp>
+        <p:nvSpPr>
+          <p:cNvPr id="10" name="Freeform: Shape 9">
+            <a:extLst>
+              <a:ext uri="{FF2B5EF4-FFF2-40B4-BE49-F238E27FC236}">
+                <a16:creationId xmlns:a16="http://schemas.microsoft.com/office/drawing/2014/main" id="{89CC0F1E-BAA2-47B1-8F83-7ECB9FD9E009}"/>
+              </a:ext>
+              <a:ext uri="{C183D7F6-B498-43B3-948B-1728B52AA6E4}">
+                <adec:decorative xmlns:adec="http://schemas.microsoft.com/office/drawing/2017/decorative" val="1"/>
+              </a:ext>
+            </a:extLst>
+          </p:cNvPr>
+          <p:cNvSpPr>
+            <a:spLocks noGrp="1" noRot="1" noChangeAspect="1" noMove="1" noResize="1" noEditPoints="1" noAdjustHandles="1" noChangeArrowheads="1" noChangeShapeType="1" noTextEdit="1"/>
+          </p:cNvSpPr>
+          <p:nvPr>
+            <p:extLst>
+              <p:ext uri="{386F3935-93C4-4BCD-93E2-E3B085C9AB24}">
+                <p16:designElem xmlns:p16="http://schemas.microsoft.com/office/powerpoint/2015/main" val="1"/>
+              </p:ext>
+            </p:extLst>
+          </p:nvPr>
+        </p:nvSpPr>
+        <p:spPr>
+          <a:xfrm>
+            <a:off x="5189558" y="0"/>
+            <a:ext cx="6999394" cy="6858000"/>
+          </a:xfrm>
+          <a:custGeom>
+            <a:avLst/>
+            <a:gdLst>
+              <a:gd name="connsiteX0" fmla="*/ 6999394 w 6999394"/>
+              <a:gd name="connsiteY0" fmla="*/ 0 h 6858000"/>
+              <a:gd name="connsiteX1" fmla="*/ 6999394 w 6999394"/>
+              <a:gd name="connsiteY1" fmla="*/ 6858000 h 6858000"/>
+              <a:gd name="connsiteX2" fmla="*/ 717029 w 6999394"/>
+              <a:gd name="connsiteY2" fmla="*/ 6858000 h 6858000"/>
+              <a:gd name="connsiteX3" fmla="*/ 623642 w 6999394"/>
+              <a:gd name="connsiteY3" fmla="*/ 6599363 h 6858000"/>
+              <a:gd name="connsiteX4" fmla="*/ 319533 w 6999394"/>
+              <a:gd name="connsiteY4" fmla="*/ 193787 h 6858000"/>
+              <a:gd name="connsiteX5" fmla="*/ 371685 w 6999394"/>
+              <a:gd name="connsiteY5" fmla="*/ 1 h 6858000"/>
+            </a:gdLst>
+            <a:ahLst/>
+            <a:cxnLst>
+              <a:cxn ang="0">
+                <a:pos x="connsiteX0" y="connsiteY0"/>
+              </a:cxn>
+              <a:cxn ang="0">
+                <a:pos x="connsiteX1" y="connsiteY1"/>
+              </a:cxn>
+              <a:cxn ang="0">
+                <a:pos x="connsiteX2" y="connsiteY2"/>
+              </a:cxn>
+              <a:cxn ang="0">
+                <a:pos x="connsiteX3" y="connsiteY3"/>
+              </a:cxn>
+              <a:cxn ang="0">
+                <a:pos x="connsiteX4" y="connsiteY4"/>
+              </a:cxn>
+              <a:cxn ang="0">
+                <a:pos x="connsiteX5" y="connsiteY5"/>
+              </a:cxn>
+            </a:cxnLst>
+            <a:rect l="l" t="t" r="r" b="b"/>
+            <a:pathLst>
+              <a:path w="6999394" h="6858000">
+                <a:moveTo>
+                  <a:pt x="6999394" y="0"/>
+                </a:moveTo>
+                <a:lnTo>
+                  <a:pt x="6999394" y="6858000"/>
+                </a:lnTo>
+                <a:lnTo>
+                  <a:pt x="717029" y="6858000"/>
+                </a:lnTo>
+                <a:lnTo>
+                  <a:pt x="623642" y="6599363"/>
+                </a:lnTo>
+                <a:cubicBezTo>
+                  <a:pt x="-67685" y="4563346"/>
+                  <a:pt x="-206622" y="2355719"/>
+                  <a:pt x="319533" y="193787"/>
+                </a:cubicBezTo>
+                <a:lnTo>
+                  <a:pt x="371685" y="1"/>
+                </a:lnTo>
+                <a:close/>
+              </a:path>
+            </a:pathLst>
+          </a:custGeom>
+          <a:solidFill>
+            <a:schemeClr val="tx1">
+              <a:alpha val="80000"/>
+            </a:schemeClr>
+          </a:solidFill>
+          <a:ln>
+            <a:noFill/>
+          </a:ln>
+        </p:spPr>
+        <p:style>
+          <a:lnRef idx="2">
+            <a:schemeClr val="accent1">
+              <a:shade val="50000"/>
+            </a:schemeClr>
+          </a:lnRef>
+          <a:fillRef idx="1">
+            <a:schemeClr val="accent1"/>
+          </a:fillRef>
+          <a:effectRef idx="0">
+            <a:schemeClr val="accent1"/>
+          </a:effectRef>
+          <a:fontRef idx="minor">
+            <a:schemeClr val="lt1"/>
+          </a:fontRef>
+        </p:style>
+        <p:txBody>
+          <a:bodyPr rtlCol="0" anchor="ctr"/>
+          <a:lstStyle/>
+          <a:p>
+            <a:pPr algn="ctr"/>
+            <a:endParaRPr lang="en-US"/>
+          </a:p>
+        </p:txBody>
+      </p:sp>
+      <p:sp>
+        <p:nvSpPr>
           <p:cNvPr id="3" name="Content Placeholder 2">
             <a:extLst>
               <a:ext uri="{FF2B5EF4-FFF2-40B4-BE49-F238E27FC236}">
@@ -4268,43 +6000,74 @@
             <p:ph idx="1"/>
           </p:nvPr>
         </p:nvSpPr>
-        <p:spPr/>
-        <p:txBody>
-          <a:bodyPr/>
-          <a:lstStyle/>
-          <a:p>
-            <a:r>
-              <a:rPr lang="en-US" dirty="0"/>
+        <p:spPr>
+          <a:xfrm>
+            <a:off x="6096000" y="1399032"/>
+            <a:ext cx="5501834" cy="4471416"/>
+          </a:xfrm>
+        </p:spPr>
+        <p:txBody>
+          <a:bodyPr anchor="ctr">
+            <a:normAutofit/>
+          </a:bodyPr>
+          <a:lstStyle/>
+          <a:p>
+            <a:r>
+              <a:rPr lang="en-US" sz="2200">
+                <a:solidFill>
+                  <a:schemeClr val="bg1"/>
+                </a:solidFill>
+              </a:rPr>
               <a:t>Cleaned out rows with 1970 as the year</a:t>
             </a:r>
           </a:p>
           <a:p>
             <a:r>
-              <a:rPr lang="en-US" dirty="0"/>
+              <a:rPr lang="en-US" sz="2200">
+                <a:solidFill>
+                  <a:schemeClr val="bg1"/>
+                </a:solidFill>
+              </a:rPr>
               <a:t>Cleaned out rows with N,0” as the country</a:t>
             </a:r>
           </a:p>
           <a:p>
             <a:r>
-              <a:rPr lang="en-US" dirty="0"/>
+              <a:rPr lang="en-US" sz="2200">
+                <a:solidFill>
+                  <a:schemeClr val="bg1"/>
+                </a:solidFill>
+              </a:rPr>
               <a:t>Added “duration” column by subtracting launch date from deadline</a:t>
             </a:r>
           </a:p>
           <a:p>
             <a:r>
-              <a:rPr lang="en-US" dirty="0"/>
+              <a:rPr lang="en-US" sz="2200">
+                <a:solidFill>
+                  <a:schemeClr val="bg1"/>
+                </a:solidFill>
+              </a:rPr>
               <a:t>Cleaned out rows classed as “undefined” and “live” in the status</a:t>
             </a:r>
           </a:p>
           <a:p>
             <a:r>
-              <a:rPr lang="en-US" dirty="0"/>
+              <a:rPr lang="en-US" sz="2200">
+                <a:solidFill>
+                  <a:schemeClr val="bg1"/>
+                </a:solidFill>
+              </a:rPr>
               <a:t>Re-classed the suspended and cancelled projects as failed </a:t>
             </a:r>
           </a:p>
           <a:p>
             <a:r>
-              <a:rPr lang="en-US" dirty="0"/>
+              <a:rPr lang="en-US" sz="2200">
+                <a:solidFill>
+                  <a:schemeClr val="bg1"/>
+                </a:solidFill>
+              </a:rPr>
               <a:t>Added a column to represent success and failure numerically as 1 and 0, respectively. </a:t>
             </a:r>
           </a:p>
@@ -4318,7 +6081,7 @@
     </p:extLst>
   </p:cSld>
   <p:clrMapOvr>
-    <a:masterClrMapping/>
+    <a:overrideClrMapping bg1="dk1" tx1="lt1" bg2="dk2" tx2="lt2" accent1="accent1" accent2="accent2" accent3="accent3" accent4="accent4" accent5="accent5" accent6="accent6" hlink="hlink" folHlink="folHlink"/>
   </p:clrMapOvr>
 </p:sld>
 </file>
@@ -4326,6 +6089,17 @@
 <file path=ppt/slides/slide5.xml><?xml version="1.0" encoding="utf-8"?>
 <p:sld xmlns:a="http://schemas.openxmlformats.org/drawingml/2006/main" xmlns:r="http://schemas.openxmlformats.org/officeDocument/2006/relationships" xmlns:p="http://schemas.openxmlformats.org/presentationml/2006/main">
   <p:cSld>
+    <p:bg>
+      <p:bgPr>
+        <a:solidFill>
+          <a:schemeClr val="bg1">
+            <a:tint val="95000"/>
+            <a:satMod val="170000"/>
+          </a:schemeClr>
+        </a:solidFill>
+        <a:effectLst/>
+      </p:bgPr>
+    </p:bg>
     <p:spTree>
       <p:nvGrpSpPr>
         <p:cNvPr id="1" name=""/>
@@ -4356,64 +6130,337 @@
             <p:ph type="title"/>
           </p:nvPr>
         </p:nvSpPr>
-        <p:spPr/>
-        <p:txBody>
-          <a:bodyPr/>
-          <a:lstStyle/>
-          <a:p>
-            <a:r>
-              <a:rPr lang="en-US" dirty="0"/>
-              <a:t>Exploratory Analysis</a:t>
-            </a:r>
-            <a:br>
-              <a:rPr lang="en-US" dirty="0"/>
-            </a:br>
-            <a:endParaRPr lang="en-US" dirty="0"/>
-          </a:p>
-        </p:txBody>
-      </p:sp>
-      <p:sp>
-        <p:nvSpPr>
-          <p:cNvPr id="3" name="Content Placeholder 2">
-            <a:extLst>
-              <a:ext uri="{FF2B5EF4-FFF2-40B4-BE49-F238E27FC236}">
-                <a16:creationId xmlns:a16="http://schemas.microsoft.com/office/drawing/2014/main" id="{D67C709E-7B5A-4746-9A31-FB71AC55A291}"/>
-              </a:ext>
-            </a:extLst>
-          </p:cNvPr>
-          <p:cNvSpPr>
-            <a:spLocks noGrp="1"/>
-          </p:cNvSpPr>
-          <p:nvPr>
-            <p:ph idx="1"/>
-          </p:nvPr>
-        </p:nvSpPr>
         <p:spPr>
           <a:xfrm>
-            <a:off x="838200" y="2261937"/>
-            <a:ext cx="10515600" cy="3915026"/>
+            <a:off x="804673" y="1445494"/>
+            <a:ext cx="3616856" cy="4376572"/>
           </a:xfrm>
         </p:spPr>
         <p:txBody>
-          <a:bodyPr/>
-          <a:lstStyle/>
-          <a:p>
-            <a:r>
-              <a:rPr lang="en-US" dirty="0"/>
+          <a:bodyPr anchor="ctr">
+            <a:normAutofit/>
+          </a:bodyPr>
+          <a:lstStyle/>
+          <a:p>
+            <a:r>
+              <a:rPr lang="en-US" sz="4800"/>
+              <a:t>Exploratory Analysis</a:t>
+            </a:r>
+            <a:br>
+              <a:rPr lang="en-US" sz="4800"/>
+            </a:br>
+            <a:endParaRPr lang="en-US" sz="4800"/>
+          </a:p>
+        </p:txBody>
+      </p:sp>
+      <p:sp>
+        <p:nvSpPr>
+          <p:cNvPr id="8" name="Freeform: Shape 7">
+            <a:extLst>
+              <a:ext uri="{FF2B5EF4-FFF2-40B4-BE49-F238E27FC236}">
+                <a16:creationId xmlns:a16="http://schemas.microsoft.com/office/drawing/2014/main" id="{DFF2AC85-FAA0-4844-813F-83C04D7382E2}"/>
+              </a:ext>
+              <a:ext uri="{C183D7F6-B498-43B3-948B-1728B52AA6E4}">
+                <adec:decorative xmlns:adec="http://schemas.microsoft.com/office/drawing/2017/decorative" val="1"/>
+              </a:ext>
+            </a:extLst>
+          </p:cNvPr>
+          <p:cNvSpPr>
+            <a:spLocks noGrp="1" noRot="1" noChangeAspect="1" noMove="1" noResize="1" noEditPoints="1" noAdjustHandles="1" noChangeArrowheads="1" noChangeShapeType="1" noTextEdit="1"/>
+          </p:cNvSpPr>
+          <p:nvPr>
+            <p:extLst>
+              <p:ext uri="{386F3935-93C4-4BCD-93E2-E3B085C9AB24}">
+                <p16:designElem xmlns:p16="http://schemas.microsoft.com/office/powerpoint/2015/main" val="1"/>
+              </p:ext>
+            </p:extLst>
+          </p:nvPr>
+        </p:nvSpPr>
+        <p:spPr>
+          <a:xfrm>
+            <a:off x="4907636" y="0"/>
+            <a:ext cx="7281316" cy="6858000"/>
+          </a:xfrm>
+          <a:custGeom>
+            <a:avLst/>
+            <a:gdLst>
+              <a:gd name="connsiteX0" fmla="*/ 361354 w 7281316"/>
+              <a:gd name="connsiteY0" fmla="*/ 0 h 6858000"/>
+              <a:gd name="connsiteX1" fmla="*/ 7281316 w 7281316"/>
+              <a:gd name="connsiteY1" fmla="*/ 0 h 6858000"/>
+              <a:gd name="connsiteX2" fmla="*/ 7281316 w 7281316"/>
+              <a:gd name="connsiteY2" fmla="*/ 6858000 h 6858000"/>
+              <a:gd name="connsiteX3" fmla="*/ 696735 w 7281316"/>
+              <a:gd name="connsiteY3" fmla="*/ 6858000 h 6858000"/>
+              <a:gd name="connsiteX4" fmla="*/ 690849 w 7281316"/>
+              <a:gd name="connsiteY4" fmla="*/ 6842426 h 6858000"/>
+              <a:gd name="connsiteX5" fmla="*/ 335637 w 7281316"/>
+              <a:gd name="connsiteY5" fmla="*/ 94722 h 6858000"/>
+            </a:gdLst>
+            <a:ahLst/>
+            <a:cxnLst>
+              <a:cxn ang="0">
+                <a:pos x="connsiteX0" y="connsiteY0"/>
+              </a:cxn>
+              <a:cxn ang="0">
+                <a:pos x="connsiteX1" y="connsiteY1"/>
+              </a:cxn>
+              <a:cxn ang="0">
+                <a:pos x="connsiteX2" y="connsiteY2"/>
+              </a:cxn>
+              <a:cxn ang="0">
+                <a:pos x="connsiteX3" y="connsiteY3"/>
+              </a:cxn>
+              <a:cxn ang="0">
+                <a:pos x="connsiteX4" y="connsiteY4"/>
+              </a:cxn>
+              <a:cxn ang="0">
+                <a:pos x="connsiteX5" y="connsiteY5"/>
+              </a:cxn>
+            </a:cxnLst>
+            <a:rect l="l" t="t" r="r" b="b"/>
+            <a:pathLst>
+              <a:path w="7281316" h="6858000">
+                <a:moveTo>
+                  <a:pt x="361354" y="0"/>
+                </a:moveTo>
+                <a:lnTo>
+                  <a:pt x="7281316" y="0"/>
+                </a:lnTo>
+                <a:lnTo>
+                  <a:pt x="7281316" y="6858000"/>
+                </a:lnTo>
+                <a:lnTo>
+                  <a:pt x="696735" y="6858000"/>
+                </a:lnTo>
+                <a:lnTo>
+                  <a:pt x="690849" y="6842426"/>
+                </a:lnTo>
+                <a:cubicBezTo>
+                  <a:pt x="-65870" y="4704140"/>
+                  <a:pt x="-226206" y="2374054"/>
+                  <a:pt x="335637" y="94722"/>
+                </a:cubicBezTo>
+                <a:close/>
+              </a:path>
+            </a:pathLst>
+          </a:custGeom>
+          <a:solidFill>
+            <a:schemeClr val="tx1">
+              <a:alpha val="80000"/>
+            </a:schemeClr>
+          </a:solidFill>
+          <a:ln>
+            <a:noFill/>
+          </a:ln>
+        </p:spPr>
+        <p:style>
+          <a:lnRef idx="2">
+            <a:schemeClr val="accent1">
+              <a:shade val="50000"/>
+            </a:schemeClr>
+          </a:lnRef>
+          <a:fillRef idx="1">
+            <a:schemeClr val="accent1"/>
+          </a:fillRef>
+          <a:effectRef idx="0">
+            <a:schemeClr val="accent1"/>
+          </a:effectRef>
+          <a:fontRef idx="minor">
+            <a:schemeClr val="lt1"/>
+          </a:fontRef>
+        </p:style>
+        <p:txBody>
+          <a:bodyPr rtlCol="0" anchor="ctr"/>
+          <a:lstStyle/>
+          <a:p>
+            <a:pPr algn="ctr"/>
+            <a:endParaRPr lang="en-US"/>
+          </a:p>
+        </p:txBody>
+      </p:sp>
+      <p:sp>
+        <p:nvSpPr>
+          <p:cNvPr id="10" name="Freeform: Shape 9">
+            <a:extLst>
+              <a:ext uri="{FF2B5EF4-FFF2-40B4-BE49-F238E27FC236}">
+                <a16:creationId xmlns:a16="http://schemas.microsoft.com/office/drawing/2014/main" id="{89CC0F1E-BAA2-47B1-8F83-7ECB9FD9E009}"/>
+              </a:ext>
+              <a:ext uri="{C183D7F6-B498-43B3-948B-1728B52AA6E4}">
+                <adec:decorative xmlns:adec="http://schemas.microsoft.com/office/drawing/2017/decorative" val="1"/>
+              </a:ext>
+            </a:extLst>
+          </p:cNvPr>
+          <p:cNvSpPr>
+            <a:spLocks noGrp="1" noRot="1" noChangeAspect="1" noMove="1" noResize="1" noEditPoints="1" noAdjustHandles="1" noChangeArrowheads="1" noChangeShapeType="1" noTextEdit="1"/>
+          </p:cNvSpPr>
+          <p:nvPr>
+            <p:extLst>
+              <p:ext uri="{386F3935-93C4-4BCD-93E2-E3B085C9AB24}">
+                <p16:designElem xmlns:p16="http://schemas.microsoft.com/office/powerpoint/2015/main" val="1"/>
+              </p:ext>
+            </p:extLst>
+          </p:nvPr>
+        </p:nvSpPr>
+        <p:spPr>
+          <a:xfrm>
+            <a:off x="5189558" y="0"/>
+            <a:ext cx="6999394" cy="6858000"/>
+          </a:xfrm>
+          <a:custGeom>
+            <a:avLst/>
+            <a:gdLst>
+              <a:gd name="connsiteX0" fmla="*/ 6999394 w 6999394"/>
+              <a:gd name="connsiteY0" fmla="*/ 0 h 6858000"/>
+              <a:gd name="connsiteX1" fmla="*/ 6999394 w 6999394"/>
+              <a:gd name="connsiteY1" fmla="*/ 6858000 h 6858000"/>
+              <a:gd name="connsiteX2" fmla="*/ 717029 w 6999394"/>
+              <a:gd name="connsiteY2" fmla="*/ 6858000 h 6858000"/>
+              <a:gd name="connsiteX3" fmla="*/ 623642 w 6999394"/>
+              <a:gd name="connsiteY3" fmla="*/ 6599363 h 6858000"/>
+              <a:gd name="connsiteX4" fmla="*/ 319533 w 6999394"/>
+              <a:gd name="connsiteY4" fmla="*/ 193787 h 6858000"/>
+              <a:gd name="connsiteX5" fmla="*/ 371685 w 6999394"/>
+              <a:gd name="connsiteY5" fmla="*/ 1 h 6858000"/>
+            </a:gdLst>
+            <a:ahLst/>
+            <a:cxnLst>
+              <a:cxn ang="0">
+                <a:pos x="connsiteX0" y="connsiteY0"/>
+              </a:cxn>
+              <a:cxn ang="0">
+                <a:pos x="connsiteX1" y="connsiteY1"/>
+              </a:cxn>
+              <a:cxn ang="0">
+                <a:pos x="connsiteX2" y="connsiteY2"/>
+              </a:cxn>
+              <a:cxn ang="0">
+                <a:pos x="connsiteX3" y="connsiteY3"/>
+              </a:cxn>
+              <a:cxn ang="0">
+                <a:pos x="connsiteX4" y="connsiteY4"/>
+              </a:cxn>
+              <a:cxn ang="0">
+                <a:pos x="connsiteX5" y="connsiteY5"/>
+              </a:cxn>
+            </a:cxnLst>
+            <a:rect l="l" t="t" r="r" b="b"/>
+            <a:pathLst>
+              <a:path w="6999394" h="6858000">
+                <a:moveTo>
+                  <a:pt x="6999394" y="0"/>
+                </a:moveTo>
+                <a:lnTo>
+                  <a:pt x="6999394" y="6858000"/>
+                </a:lnTo>
+                <a:lnTo>
+                  <a:pt x="717029" y="6858000"/>
+                </a:lnTo>
+                <a:lnTo>
+                  <a:pt x="623642" y="6599363"/>
+                </a:lnTo>
+                <a:cubicBezTo>
+                  <a:pt x="-67685" y="4563346"/>
+                  <a:pt x="-206622" y="2355719"/>
+                  <a:pt x="319533" y="193787"/>
+                </a:cubicBezTo>
+                <a:lnTo>
+                  <a:pt x="371685" y="1"/>
+                </a:lnTo>
+                <a:close/>
+              </a:path>
+            </a:pathLst>
+          </a:custGeom>
+          <a:solidFill>
+            <a:schemeClr val="tx1">
+              <a:alpha val="80000"/>
+            </a:schemeClr>
+          </a:solidFill>
+          <a:ln>
+            <a:noFill/>
+          </a:ln>
+        </p:spPr>
+        <p:style>
+          <a:lnRef idx="2">
+            <a:schemeClr val="accent1">
+              <a:shade val="50000"/>
+            </a:schemeClr>
+          </a:lnRef>
+          <a:fillRef idx="1">
+            <a:schemeClr val="accent1"/>
+          </a:fillRef>
+          <a:effectRef idx="0">
+            <a:schemeClr val="accent1"/>
+          </a:effectRef>
+          <a:fontRef idx="minor">
+            <a:schemeClr val="lt1"/>
+          </a:fontRef>
+        </p:style>
+        <p:txBody>
+          <a:bodyPr rtlCol="0" anchor="ctr"/>
+          <a:lstStyle/>
+          <a:p>
+            <a:pPr algn="ctr"/>
+            <a:endParaRPr lang="en-US"/>
+          </a:p>
+        </p:txBody>
+      </p:sp>
+      <p:sp>
+        <p:nvSpPr>
+          <p:cNvPr id="3" name="Content Placeholder 2">
+            <a:extLst>
+              <a:ext uri="{FF2B5EF4-FFF2-40B4-BE49-F238E27FC236}">
+                <a16:creationId xmlns:a16="http://schemas.microsoft.com/office/drawing/2014/main" id="{D67C709E-7B5A-4746-9A31-FB71AC55A291}"/>
+              </a:ext>
+            </a:extLst>
+          </p:cNvPr>
+          <p:cNvSpPr>
+            <a:spLocks noGrp="1"/>
+          </p:cNvSpPr>
+          <p:nvPr>
+            <p:ph idx="1"/>
+          </p:nvPr>
+        </p:nvSpPr>
+        <p:spPr>
+          <a:xfrm>
+            <a:off x="6096000" y="1399032"/>
+            <a:ext cx="5501834" cy="4471416"/>
+          </a:xfrm>
+        </p:spPr>
+        <p:txBody>
+          <a:bodyPr anchor="ctr">
+            <a:normAutofit/>
+          </a:bodyPr>
+          <a:lstStyle/>
+          <a:p>
+            <a:r>
+              <a:rPr lang="en-US" sz="2200">
+                <a:solidFill>
+                  <a:schemeClr val="bg1"/>
+                </a:solidFill>
+              </a:rPr>
               <a:t>Were different project types more successful than others?</a:t>
             </a:r>
           </a:p>
           <a:p>
             <a:pPr lvl="0"/>
             <a:r>
-              <a:rPr lang="en-US" dirty="0"/>
+              <a:rPr lang="en-US" sz="2200">
+                <a:solidFill>
+                  <a:schemeClr val="bg1"/>
+                </a:solidFill>
+              </a:rPr>
               <a:t>Is it harder for more expensive projects to meet their goals?</a:t>
             </a:r>
           </a:p>
           <a:p>
             <a:pPr lvl="0"/>
             <a:r>
-              <a:rPr lang="en-US" dirty="0"/>
+              <a:rPr lang="en-US" sz="2200">
+                <a:solidFill>
+                  <a:schemeClr val="bg1"/>
+                </a:solidFill>
+              </a:rPr>
               <a:t>Do longer projects give more people more time to contribute?</a:t>
             </a:r>
           </a:p>
@@ -4421,7 +6468,11 @@
             <a:pPr marL="0" indent="0">
               <a:buNone/>
             </a:pPr>
-            <a:endParaRPr lang="en-US" dirty="0"/>
+            <a:endParaRPr lang="en-US" sz="2200">
+              <a:solidFill>
+                <a:schemeClr val="bg1"/>
+              </a:solidFill>
+            </a:endParaRPr>
           </a:p>
         </p:txBody>
       </p:sp>
@@ -4433,7 +6484,7 @@
     </p:extLst>
   </p:cSld>
   <p:clrMapOvr>
-    <a:masterClrMapping/>
+    <a:overrideClrMapping bg1="dk1" tx1="lt1" bg2="dk2" tx2="lt2" accent1="accent1" accent2="accent2" accent3="accent3" accent4="accent4" accent5="accent5" accent6="accent6" hlink="hlink" folHlink="folHlink"/>
   </p:clrMapOvr>
 </p:sld>
 </file>
@@ -4492,9 +6543,10 @@
           <a:lstStyle/>
           <a:p>
             <a:r>
-              <a:rPr lang="en-US" sz="3700" dirty="0"/>
+              <a:rPr lang="en-US" sz="3700"/>
               <a:t>The distribution of project types overall</a:t>
             </a:r>
+            <a:endParaRPr lang="en-US" sz="3700" dirty="0"/>
           </a:p>
         </p:txBody>
       </p:sp>
@@ -4734,9 +6786,10 @@
           <a:lstStyle/>
           <a:p>
             <a:r>
-              <a:rPr lang="en-US" sz="2800" dirty="0"/>
+              <a:rPr lang="en-US" sz="2800"/>
               <a:t>Average funding targets vs. average amounts pledged to the projects</a:t>
             </a:r>
+            <a:endParaRPr lang="en-US" sz="2800" dirty="0"/>
           </a:p>
         </p:txBody>
       </p:sp>
